--- a/DsDotNet/src/UnitTest/UnitTest.Model/ImportOfficeExample/Sample/Lib/Robot/Weld.pptx
+++ b/DsDotNet/src/UnitTest/UnitTest.Model/ImportOfficeExample/Sample/Lib/Robot/Weld.pptx
@@ -216,7 +216,7 @@
           <a:p>
             <a:fld id="{DD503887-5801-43A0-AEF9-041E8DDC2558}" type="datetimeFigureOut">
               <a:rPr lang="ko-KR" altLang="en-US" smtClean="0"/>
-              <a:t>2023-02-02</a:t>
+              <a:t>2023-08-21</a:t>
             </a:fld>
             <a:endParaRPr lang="ko-KR" altLang="en-US"/>
           </a:p>
@@ -393,7 +393,7 @@
           <a:p>
             <a:fld id="{95336A0E-57B1-4D4C-BD9B-2F72B5943464}" type="datetimeFigureOut">
               <a:rPr lang="ko-KR" altLang="en-US" smtClean="0"/>
-              <a:t>2023-02-02</a:t>
+              <a:t>2023-08-21</a:t>
             </a:fld>
             <a:endParaRPr lang="ko-KR" altLang="en-US"/>
           </a:p>
@@ -755,7 +755,7 @@
           <a:effectLst/>
           <a:extLst>
             <a:ext uri="{91240B29-F687-4f45-9708-019B960494DF}">
-              <a14:hiddenLine xmlns:a14="http://schemas.microsoft.com/office/drawing/2010/main" xmlns="" w="9525">
+              <a14:hiddenLine xmlns="" xmlns:a14="http://schemas.microsoft.com/office/drawing/2010/main" w="9525">
                 <a:solidFill>
                   <a:srgbClr val="000000"/>
                 </a:solidFill>
@@ -947,7 +947,7 @@
           <a:p>
             <a:fld id="{DEA6EBF0-8E22-42A7-9BEA-2AC7066E6498}" type="datetimeFigureOut">
               <a:rPr lang="ko-KR" altLang="en-US" smtClean="0"/>
-              <a:t>2023-02-02</a:t>
+              <a:t>2023-08-21</a:t>
             </a:fld>
             <a:endParaRPr lang="ko-KR" altLang="en-US"/>
           </a:p>
@@ -1265,7 +1265,7 @@
           <a:p>
             <a:fld id="{DEA6EBF0-8E22-42A7-9BEA-2AC7066E6498}" type="datetimeFigureOut">
               <a:rPr lang="ko-KR" altLang="en-US" smtClean="0"/>
-              <a:t>2023-02-02</a:t>
+              <a:t>2023-08-21</a:t>
             </a:fld>
             <a:endParaRPr lang="ko-KR" altLang="en-US"/>
           </a:p>
@@ -1753,7 +1753,7 @@
           <a:p>
             <a:fld id="{DEA6EBF0-8E22-42A7-9BEA-2AC7066E6498}" type="datetimeFigureOut">
               <a:rPr lang="ko-KR" altLang="en-US" smtClean="0"/>
-              <a:t>2023-02-02</a:t>
+              <a:t>2023-08-21</a:t>
             </a:fld>
             <a:endParaRPr lang="ko-KR" altLang="en-US"/>
           </a:p>
@@ -2122,7 +2122,7 @@
           <a:p>
             <a:fld id="{DEA6EBF0-8E22-42A7-9BEA-2AC7066E6498}" type="datetimeFigureOut">
               <a:rPr lang="ko-KR" altLang="en-US" smtClean="0"/>
-              <a:t>2023-02-02</a:t>
+              <a:t>2023-08-21</a:t>
             </a:fld>
             <a:endParaRPr lang="ko-KR" altLang="en-US"/>
           </a:p>
@@ -2277,7 +2277,7 @@
           <a:ln/>
           <a:extLst>
             <a:ext uri="{91240B29-F687-4f45-9708-019B960494DF}">
-              <a14:hiddenLine xmlns:a14="http://schemas.microsoft.com/office/drawing/2010/main" xmlns="" w="9525">
+              <a14:hiddenLine xmlns="" xmlns:a14="http://schemas.microsoft.com/office/drawing/2010/main" w="9525">
                 <a:solidFill>
                   <a:srgbClr val="000000"/>
                 </a:solidFill>
@@ -2395,7 +2395,7 @@
           <a:p>
             <a:fld id="{DEA6EBF0-8E22-42A7-9BEA-2AC7066E6498}" type="datetimeFigureOut">
               <a:rPr lang="ko-KR" altLang="en-US" smtClean="0"/>
-              <a:t>2023-02-02</a:t>
+              <a:t>2023-08-21</a:t>
             </a:fld>
             <a:endParaRPr lang="ko-KR" altLang="en-US"/>
           </a:p>
@@ -2552,7 +2552,7 @@
           <a:ln/>
           <a:extLst>
             <a:ext uri="{91240B29-F687-4f45-9708-019B960494DF}">
-              <a14:hiddenLine xmlns:a14="http://schemas.microsoft.com/office/drawing/2010/main" xmlns="" w="9525">
+              <a14:hiddenLine xmlns="" xmlns:a14="http://schemas.microsoft.com/office/drawing/2010/main" w="9525">
                 <a:solidFill>
                   <a:srgbClr val="000000"/>
                 </a:solidFill>
@@ -2680,7 +2680,7 @@
           <a:p>
             <a:fld id="{DEA6EBF0-8E22-42A7-9BEA-2AC7066E6498}" type="datetimeFigureOut">
               <a:rPr lang="ko-KR" altLang="en-US" smtClean="0"/>
-              <a:t>2023-02-02</a:t>
+              <a:t>2023-08-21</a:t>
             </a:fld>
             <a:endParaRPr lang="ko-KR" altLang="en-US"/>
           </a:p>
@@ -2798,7 +2798,7 @@
           <a:p>
             <a:fld id="{DEA6EBF0-8E22-42A7-9BEA-2AC7066E6498}" type="datetimeFigureOut">
               <a:rPr lang="ko-KR" altLang="en-US" smtClean="0"/>
-              <a:t>2023-02-02</a:t>
+              <a:t>2023-08-21</a:t>
             </a:fld>
             <a:endParaRPr lang="ko-KR" altLang="en-US"/>
           </a:p>
@@ -2953,7 +2953,7 @@
           <a:ln/>
           <a:extLst>
             <a:ext uri="{91240B29-F687-4f45-9708-019B960494DF}">
-              <a14:hiddenLine xmlns:a14="http://schemas.microsoft.com/office/drawing/2010/main" xmlns="" w="9525">
+              <a14:hiddenLine xmlns="" xmlns:a14="http://schemas.microsoft.com/office/drawing/2010/main" w="9525">
                 <a:solidFill>
                   <a:srgbClr val="000000"/>
                 </a:solidFill>
@@ -3081,7 +3081,7 @@
           <a:p>
             <a:fld id="{DEA6EBF0-8E22-42A7-9BEA-2AC7066E6498}" type="datetimeFigureOut">
               <a:rPr lang="ko-KR" altLang="en-US" smtClean="0"/>
-              <a:t>2023-02-02</a:t>
+              <a:t>2023-08-21</a:t>
             </a:fld>
             <a:endParaRPr lang="ko-KR" altLang="en-US"/>
           </a:p>
@@ -3424,7 +3424,7 @@
           <a:p>
             <a:fld id="{DEA6EBF0-8E22-42A7-9BEA-2AC7066E6498}" type="datetimeFigureOut">
               <a:rPr lang="ko-KR" altLang="en-US" smtClean="0"/>
-              <a:t>2023-02-02</a:t>
+              <a:t>2023-08-21</a:t>
             </a:fld>
             <a:endParaRPr lang="ko-KR" altLang="en-US"/>
           </a:p>
@@ -3579,7 +3579,7 @@
           <a:ln/>
           <a:extLst>
             <a:ext uri="{91240B29-F687-4f45-9708-019B960494DF}">
-              <a14:hiddenLine xmlns:a14="http://schemas.microsoft.com/office/drawing/2010/main" xmlns="" w="9525">
+              <a14:hiddenLine xmlns="" xmlns:a14="http://schemas.microsoft.com/office/drawing/2010/main" w="9525">
                 <a:solidFill>
                   <a:srgbClr val="000000"/>
                 </a:solidFill>
@@ -3763,7 +3763,7 @@
           <a:p>
             <a:fld id="{DEA6EBF0-8E22-42A7-9BEA-2AC7066E6498}" type="datetimeFigureOut">
               <a:rPr lang="ko-KR" altLang="en-US" smtClean="0"/>
-              <a:t>2023-02-02</a:t>
+              <a:t>2023-08-21</a:t>
             </a:fld>
             <a:endParaRPr lang="ko-KR" altLang="en-US"/>
           </a:p>
@@ -3918,7 +3918,7 @@
           <a:ln/>
           <a:extLst>
             <a:ext uri="{91240B29-F687-4f45-9708-019B960494DF}">
-              <a14:hiddenLine xmlns:a14="http://schemas.microsoft.com/office/drawing/2010/main" xmlns="" w="9525">
+              <a14:hiddenLine xmlns="" xmlns:a14="http://schemas.microsoft.com/office/drawing/2010/main" w="9525">
                 <a:solidFill>
                   <a:srgbClr val="000000"/>
                 </a:solidFill>
@@ -4240,7 +4240,7 @@
           <a:p>
             <a:fld id="{DEA6EBF0-8E22-42A7-9BEA-2AC7066E6498}" type="datetimeFigureOut">
               <a:rPr lang="ko-KR" altLang="en-US" smtClean="0"/>
-              <a:t>2023-02-02</a:t>
+              <a:t>2023-08-21</a:t>
             </a:fld>
             <a:endParaRPr lang="ko-KR" altLang="en-US"/>
           </a:p>
@@ -4335,7 +4335,7 @@
           <a:p>
             <a:fld id="{DEA6EBF0-8E22-42A7-9BEA-2AC7066E6498}" type="datetimeFigureOut">
               <a:rPr lang="ko-KR" altLang="en-US" smtClean="0"/>
-              <a:t>2023-02-02</a:t>
+              <a:t>2023-08-21</a:t>
             </a:fld>
             <a:endParaRPr lang="ko-KR" altLang="en-US"/>
           </a:p>
@@ -4603,7 +4603,7 @@
           <a:ln/>
           <a:extLst>
             <a:ext uri="{91240B29-F687-4f45-9708-019B960494DF}">
-              <a14:hiddenLine xmlns:a14="http://schemas.microsoft.com/office/drawing/2010/main" xmlns="" w="9525">
+              <a14:hiddenLine xmlns="" xmlns:a14="http://schemas.microsoft.com/office/drawing/2010/main" w="9525">
                 <a:solidFill>
                   <a:srgbClr val="000000"/>
                 </a:solidFill>
@@ -4802,7 +4802,7 @@
           <a:p>
             <a:fld id="{DEA6EBF0-8E22-42A7-9BEA-2AC7066E6498}" type="datetimeFigureOut">
               <a:rPr lang="ko-KR" altLang="en-US" smtClean="0"/>
-              <a:t>2023-02-02</a:t>
+              <a:t>2023-08-21</a:t>
             </a:fld>
             <a:endParaRPr lang="ko-KR" altLang="en-US"/>
           </a:p>
@@ -5115,7 +5115,7 @@
           <a:p>
             <a:fld id="{DEA6EBF0-8E22-42A7-9BEA-2AC7066E6498}" type="datetimeFigureOut">
               <a:rPr lang="ko-KR" altLang="en-US" smtClean="0"/>
-              <a:t>2023-02-02</a:t>
+              <a:t>2023-08-21</a:t>
             </a:fld>
             <a:endParaRPr lang="ko-KR" altLang="en-US"/>
           </a:p>
@@ -5385,7 +5385,7 @@
           <a:p>
             <a:fld id="{DEA6EBF0-8E22-42A7-9BEA-2AC7066E6498}" type="datetimeFigureOut">
               <a:rPr lang="ko-KR" altLang="en-US" smtClean="0"/>
-              <a:t>2023-02-02</a:t>
+              <a:t>2023-08-21</a:t>
             </a:fld>
             <a:endParaRPr lang="ko-KR" altLang="en-US"/>
           </a:p>

--- a/DsDotNet/src/UnitTest/UnitTest.Model/ImportOfficeExample/Sample/Lib/Robot/Weld.pptx
+++ b/DsDotNet/src/UnitTest/UnitTest.Model/ImportOfficeExample/Sample/Lib/Robot/Weld.pptx
@@ -216,7 +216,7 @@
           <a:p>
             <a:fld id="{DD503887-5801-43A0-AEF9-041E8DDC2558}" type="datetimeFigureOut">
               <a:rPr lang="ko-KR" altLang="en-US" smtClean="0"/>
-              <a:t>2023-08-21</a:t>
+              <a:t>2023-10-04</a:t>
             </a:fld>
             <a:endParaRPr lang="ko-KR" altLang="en-US"/>
           </a:p>
@@ -393,7 +393,7 @@
           <a:p>
             <a:fld id="{95336A0E-57B1-4D4C-BD9B-2F72B5943464}" type="datetimeFigureOut">
               <a:rPr lang="ko-KR" altLang="en-US" smtClean="0"/>
-              <a:t>2023-08-21</a:t>
+              <a:t>2023-10-04</a:t>
             </a:fld>
             <a:endParaRPr lang="ko-KR" altLang="en-US"/>
           </a:p>
@@ -755,7 +755,7 @@
           <a:effectLst/>
           <a:extLst>
             <a:ext uri="{91240B29-F687-4f45-9708-019B960494DF}">
-              <a14:hiddenLine xmlns="" xmlns:a14="http://schemas.microsoft.com/office/drawing/2010/main" w="9525">
+              <a14:hiddenLine xmlns:a14="http://schemas.microsoft.com/office/drawing/2010/main" xmlns="" w="9525">
                 <a:solidFill>
                   <a:srgbClr val="000000"/>
                 </a:solidFill>
@@ -947,7 +947,7 @@
           <a:p>
             <a:fld id="{DEA6EBF0-8E22-42A7-9BEA-2AC7066E6498}" type="datetimeFigureOut">
               <a:rPr lang="ko-KR" altLang="en-US" smtClean="0"/>
-              <a:t>2023-08-21</a:t>
+              <a:t>2023-10-04</a:t>
             </a:fld>
             <a:endParaRPr lang="ko-KR" altLang="en-US"/>
           </a:p>
@@ -1265,7 +1265,7 @@
           <a:p>
             <a:fld id="{DEA6EBF0-8E22-42A7-9BEA-2AC7066E6498}" type="datetimeFigureOut">
               <a:rPr lang="ko-KR" altLang="en-US" smtClean="0"/>
-              <a:t>2023-08-21</a:t>
+              <a:t>2023-10-04</a:t>
             </a:fld>
             <a:endParaRPr lang="ko-KR" altLang="en-US"/>
           </a:p>
@@ -1753,7 +1753,7 @@
           <a:p>
             <a:fld id="{DEA6EBF0-8E22-42A7-9BEA-2AC7066E6498}" type="datetimeFigureOut">
               <a:rPr lang="ko-KR" altLang="en-US" smtClean="0"/>
-              <a:t>2023-08-21</a:t>
+              <a:t>2023-10-04</a:t>
             </a:fld>
             <a:endParaRPr lang="ko-KR" altLang="en-US"/>
           </a:p>
@@ -2122,7 +2122,7 @@
           <a:p>
             <a:fld id="{DEA6EBF0-8E22-42A7-9BEA-2AC7066E6498}" type="datetimeFigureOut">
               <a:rPr lang="ko-KR" altLang="en-US" smtClean="0"/>
-              <a:t>2023-08-21</a:t>
+              <a:t>2023-10-04</a:t>
             </a:fld>
             <a:endParaRPr lang="ko-KR" altLang="en-US"/>
           </a:p>
@@ -2277,7 +2277,7 @@
           <a:ln/>
           <a:extLst>
             <a:ext uri="{91240B29-F687-4f45-9708-019B960494DF}">
-              <a14:hiddenLine xmlns="" xmlns:a14="http://schemas.microsoft.com/office/drawing/2010/main" w="9525">
+              <a14:hiddenLine xmlns:a14="http://schemas.microsoft.com/office/drawing/2010/main" xmlns="" w="9525">
                 <a:solidFill>
                   <a:srgbClr val="000000"/>
                 </a:solidFill>
@@ -2395,7 +2395,7 @@
           <a:p>
             <a:fld id="{DEA6EBF0-8E22-42A7-9BEA-2AC7066E6498}" type="datetimeFigureOut">
               <a:rPr lang="ko-KR" altLang="en-US" smtClean="0"/>
-              <a:t>2023-08-21</a:t>
+              <a:t>2023-10-04</a:t>
             </a:fld>
             <a:endParaRPr lang="ko-KR" altLang="en-US"/>
           </a:p>
@@ -2552,7 +2552,7 @@
           <a:ln/>
           <a:extLst>
             <a:ext uri="{91240B29-F687-4f45-9708-019B960494DF}">
-              <a14:hiddenLine xmlns="" xmlns:a14="http://schemas.microsoft.com/office/drawing/2010/main" w="9525">
+              <a14:hiddenLine xmlns:a14="http://schemas.microsoft.com/office/drawing/2010/main" xmlns="" w="9525">
                 <a:solidFill>
                   <a:srgbClr val="000000"/>
                 </a:solidFill>
@@ -2680,7 +2680,7 @@
           <a:p>
             <a:fld id="{DEA6EBF0-8E22-42A7-9BEA-2AC7066E6498}" type="datetimeFigureOut">
               <a:rPr lang="ko-KR" altLang="en-US" smtClean="0"/>
-              <a:t>2023-08-21</a:t>
+              <a:t>2023-10-04</a:t>
             </a:fld>
             <a:endParaRPr lang="ko-KR" altLang="en-US"/>
           </a:p>
@@ -2798,7 +2798,7 @@
           <a:p>
             <a:fld id="{DEA6EBF0-8E22-42A7-9BEA-2AC7066E6498}" type="datetimeFigureOut">
               <a:rPr lang="ko-KR" altLang="en-US" smtClean="0"/>
-              <a:t>2023-08-21</a:t>
+              <a:t>2023-10-04</a:t>
             </a:fld>
             <a:endParaRPr lang="ko-KR" altLang="en-US"/>
           </a:p>
@@ -2953,7 +2953,7 @@
           <a:ln/>
           <a:extLst>
             <a:ext uri="{91240B29-F687-4f45-9708-019B960494DF}">
-              <a14:hiddenLine xmlns="" xmlns:a14="http://schemas.microsoft.com/office/drawing/2010/main" w="9525">
+              <a14:hiddenLine xmlns:a14="http://schemas.microsoft.com/office/drawing/2010/main" xmlns="" w="9525">
                 <a:solidFill>
                   <a:srgbClr val="000000"/>
                 </a:solidFill>
@@ -3081,7 +3081,7 @@
           <a:p>
             <a:fld id="{DEA6EBF0-8E22-42A7-9BEA-2AC7066E6498}" type="datetimeFigureOut">
               <a:rPr lang="ko-KR" altLang="en-US" smtClean="0"/>
-              <a:t>2023-08-21</a:t>
+              <a:t>2023-10-04</a:t>
             </a:fld>
             <a:endParaRPr lang="ko-KR" altLang="en-US"/>
           </a:p>
@@ -3424,7 +3424,7 @@
           <a:p>
             <a:fld id="{DEA6EBF0-8E22-42A7-9BEA-2AC7066E6498}" type="datetimeFigureOut">
               <a:rPr lang="ko-KR" altLang="en-US" smtClean="0"/>
-              <a:t>2023-08-21</a:t>
+              <a:t>2023-10-04</a:t>
             </a:fld>
             <a:endParaRPr lang="ko-KR" altLang="en-US"/>
           </a:p>
@@ -3579,7 +3579,7 @@
           <a:ln/>
           <a:extLst>
             <a:ext uri="{91240B29-F687-4f45-9708-019B960494DF}">
-              <a14:hiddenLine xmlns="" xmlns:a14="http://schemas.microsoft.com/office/drawing/2010/main" w="9525">
+              <a14:hiddenLine xmlns:a14="http://schemas.microsoft.com/office/drawing/2010/main" xmlns="" w="9525">
                 <a:solidFill>
                   <a:srgbClr val="000000"/>
                 </a:solidFill>
@@ -3763,7 +3763,7 @@
           <a:p>
             <a:fld id="{DEA6EBF0-8E22-42A7-9BEA-2AC7066E6498}" type="datetimeFigureOut">
               <a:rPr lang="ko-KR" altLang="en-US" smtClean="0"/>
-              <a:t>2023-08-21</a:t>
+              <a:t>2023-10-04</a:t>
             </a:fld>
             <a:endParaRPr lang="ko-KR" altLang="en-US"/>
           </a:p>
@@ -3918,7 +3918,7 @@
           <a:ln/>
           <a:extLst>
             <a:ext uri="{91240B29-F687-4f45-9708-019B960494DF}">
-              <a14:hiddenLine xmlns="" xmlns:a14="http://schemas.microsoft.com/office/drawing/2010/main" w="9525">
+              <a14:hiddenLine xmlns:a14="http://schemas.microsoft.com/office/drawing/2010/main" xmlns="" w="9525">
                 <a:solidFill>
                   <a:srgbClr val="000000"/>
                 </a:solidFill>
@@ -4240,7 +4240,7 @@
           <a:p>
             <a:fld id="{DEA6EBF0-8E22-42A7-9BEA-2AC7066E6498}" type="datetimeFigureOut">
               <a:rPr lang="ko-KR" altLang="en-US" smtClean="0"/>
-              <a:t>2023-08-21</a:t>
+              <a:t>2023-10-04</a:t>
             </a:fld>
             <a:endParaRPr lang="ko-KR" altLang="en-US"/>
           </a:p>
@@ -4335,7 +4335,7 @@
           <a:p>
             <a:fld id="{DEA6EBF0-8E22-42A7-9BEA-2AC7066E6498}" type="datetimeFigureOut">
               <a:rPr lang="ko-KR" altLang="en-US" smtClean="0"/>
-              <a:t>2023-08-21</a:t>
+              <a:t>2023-10-04</a:t>
             </a:fld>
             <a:endParaRPr lang="ko-KR" altLang="en-US"/>
           </a:p>
@@ -4603,7 +4603,7 @@
           <a:ln/>
           <a:extLst>
             <a:ext uri="{91240B29-F687-4f45-9708-019B960494DF}">
-              <a14:hiddenLine xmlns="" xmlns:a14="http://schemas.microsoft.com/office/drawing/2010/main" w="9525">
+              <a14:hiddenLine xmlns:a14="http://schemas.microsoft.com/office/drawing/2010/main" xmlns="" w="9525">
                 <a:solidFill>
                   <a:srgbClr val="000000"/>
                 </a:solidFill>
@@ -4802,7 +4802,7 @@
           <a:p>
             <a:fld id="{DEA6EBF0-8E22-42A7-9BEA-2AC7066E6498}" type="datetimeFigureOut">
               <a:rPr lang="ko-KR" altLang="en-US" smtClean="0"/>
-              <a:t>2023-08-21</a:t>
+              <a:t>2023-10-04</a:t>
             </a:fld>
             <a:endParaRPr lang="ko-KR" altLang="en-US"/>
           </a:p>
@@ -5115,7 +5115,7 @@
           <a:p>
             <a:fld id="{DEA6EBF0-8E22-42A7-9BEA-2AC7066E6498}" type="datetimeFigureOut">
               <a:rPr lang="ko-KR" altLang="en-US" smtClean="0"/>
-              <a:t>2023-08-21</a:t>
+              <a:t>2023-10-04</a:t>
             </a:fld>
             <a:endParaRPr lang="ko-KR" altLang="en-US"/>
           </a:p>
@@ -5385,7 +5385,7 @@
           <a:p>
             <a:fld id="{DEA6EBF0-8E22-42A7-9BEA-2AC7066E6498}" type="datetimeFigureOut">
               <a:rPr lang="ko-KR" altLang="en-US" smtClean="0"/>
-              <a:t>2023-08-21</a:t>
+              <a:t>2023-10-04</a:t>
             </a:fld>
             <a:endParaRPr lang="ko-KR" altLang="en-US"/>
           </a:p>
@@ -5856,8 +5856,8 @@
           <a:lstStyle/>
           <a:p>
             <a:r>
-              <a:rPr lang="en-US" altLang="ko-KR" dirty="0"/>
-              <a:t>Robot</a:t>
+              <a:rPr lang="en-US" altLang="ko-KR"/>
+              <a:t>Weld</a:t>
             </a:r>
             <a:endParaRPr lang="ko-KR" altLang="en-US" dirty="0"/>
           </a:p>

--- a/DsDotNet/src/UnitTest/UnitTest.Model/ImportOfficeExample/Sample/Lib/Robot/Weld.pptx
+++ b/DsDotNet/src/UnitTest/UnitTest.Model/ImportOfficeExample/Sample/Lib/Robot/Weld.pptx
@@ -216,7 +216,7 @@
           <a:p>
             <a:fld id="{DD503887-5801-43A0-AEF9-041E8DDC2558}" type="datetimeFigureOut">
               <a:rPr lang="ko-KR" altLang="en-US" smtClean="0"/>
-              <a:t>2023-10-04</a:t>
+              <a:t>2024-03-13</a:t>
             </a:fld>
             <a:endParaRPr lang="ko-KR" altLang="en-US"/>
           </a:p>
@@ -393,7 +393,7 @@
           <a:p>
             <a:fld id="{95336A0E-57B1-4D4C-BD9B-2F72B5943464}" type="datetimeFigureOut">
               <a:rPr lang="ko-KR" altLang="en-US" smtClean="0"/>
-              <a:t>2023-10-04</a:t>
+              <a:t>2024-03-13</a:t>
             </a:fld>
             <a:endParaRPr lang="ko-KR" altLang="en-US"/>
           </a:p>
@@ -755,7 +755,7 @@
           <a:effectLst/>
           <a:extLst>
             <a:ext uri="{91240B29-F687-4f45-9708-019B960494DF}">
-              <a14:hiddenLine xmlns:a14="http://schemas.microsoft.com/office/drawing/2010/main" xmlns="" w="9525">
+              <a14:hiddenLine xmlns="" xmlns:a14="http://schemas.microsoft.com/office/drawing/2010/main" w="9525">
                 <a:solidFill>
                   <a:srgbClr val="000000"/>
                 </a:solidFill>
@@ -947,7 +947,7 @@
           <a:p>
             <a:fld id="{DEA6EBF0-8E22-42A7-9BEA-2AC7066E6498}" type="datetimeFigureOut">
               <a:rPr lang="ko-KR" altLang="en-US" smtClean="0"/>
-              <a:t>2023-10-04</a:t>
+              <a:t>2024-03-13</a:t>
             </a:fld>
             <a:endParaRPr lang="ko-KR" altLang="en-US"/>
           </a:p>
@@ -1265,7 +1265,7 @@
           <a:p>
             <a:fld id="{DEA6EBF0-8E22-42A7-9BEA-2AC7066E6498}" type="datetimeFigureOut">
               <a:rPr lang="ko-KR" altLang="en-US" smtClean="0"/>
-              <a:t>2023-10-04</a:t>
+              <a:t>2024-03-13</a:t>
             </a:fld>
             <a:endParaRPr lang="ko-KR" altLang="en-US"/>
           </a:p>
@@ -1753,7 +1753,7 @@
           <a:p>
             <a:fld id="{DEA6EBF0-8E22-42A7-9BEA-2AC7066E6498}" type="datetimeFigureOut">
               <a:rPr lang="ko-KR" altLang="en-US" smtClean="0"/>
-              <a:t>2023-10-04</a:t>
+              <a:t>2024-03-13</a:t>
             </a:fld>
             <a:endParaRPr lang="ko-KR" altLang="en-US"/>
           </a:p>
@@ -2122,7 +2122,7 @@
           <a:p>
             <a:fld id="{DEA6EBF0-8E22-42A7-9BEA-2AC7066E6498}" type="datetimeFigureOut">
               <a:rPr lang="ko-KR" altLang="en-US" smtClean="0"/>
-              <a:t>2023-10-04</a:t>
+              <a:t>2024-03-13</a:t>
             </a:fld>
             <a:endParaRPr lang="ko-KR" altLang="en-US"/>
           </a:p>
@@ -2277,7 +2277,7 @@
           <a:ln/>
           <a:extLst>
             <a:ext uri="{91240B29-F687-4f45-9708-019B960494DF}">
-              <a14:hiddenLine xmlns:a14="http://schemas.microsoft.com/office/drawing/2010/main" xmlns="" w="9525">
+              <a14:hiddenLine xmlns="" xmlns:a14="http://schemas.microsoft.com/office/drawing/2010/main" w="9525">
                 <a:solidFill>
                   <a:srgbClr val="000000"/>
                 </a:solidFill>
@@ -2395,7 +2395,7 @@
           <a:p>
             <a:fld id="{DEA6EBF0-8E22-42A7-9BEA-2AC7066E6498}" type="datetimeFigureOut">
               <a:rPr lang="ko-KR" altLang="en-US" smtClean="0"/>
-              <a:t>2023-10-04</a:t>
+              <a:t>2024-03-13</a:t>
             </a:fld>
             <a:endParaRPr lang="ko-KR" altLang="en-US"/>
           </a:p>
@@ -2552,7 +2552,7 @@
           <a:ln/>
           <a:extLst>
             <a:ext uri="{91240B29-F687-4f45-9708-019B960494DF}">
-              <a14:hiddenLine xmlns:a14="http://schemas.microsoft.com/office/drawing/2010/main" xmlns="" w="9525">
+              <a14:hiddenLine xmlns="" xmlns:a14="http://schemas.microsoft.com/office/drawing/2010/main" w="9525">
                 <a:solidFill>
                   <a:srgbClr val="000000"/>
                 </a:solidFill>
@@ -2680,7 +2680,7 @@
           <a:p>
             <a:fld id="{DEA6EBF0-8E22-42A7-9BEA-2AC7066E6498}" type="datetimeFigureOut">
               <a:rPr lang="ko-KR" altLang="en-US" smtClean="0"/>
-              <a:t>2023-10-04</a:t>
+              <a:t>2024-03-13</a:t>
             </a:fld>
             <a:endParaRPr lang="ko-KR" altLang="en-US"/>
           </a:p>
@@ -2798,7 +2798,7 @@
           <a:p>
             <a:fld id="{DEA6EBF0-8E22-42A7-9BEA-2AC7066E6498}" type="datetimeFigureOut">
               <a:rPr lang="ko-KR" altLang="en-US" smtClean="0"/>
-              <a:t>2023-10-04</a:t>
+              <a:t>2024-03-13</a:t>
             </a:fld>
             <a:endParaRPr lang="ko-KR" altLang="en-US"/>
           </a:p>
@@ -2953,7 +2953,7 @@
           <a:ln/>
           <a:extLst>
             <a:ext uri="{91240B29-F687-4f45-9708-019B960494DF}">
-              <a14:hiddenLine xmlns:a14="http://schemas.microsoft.com/office/drawing/2010/main" xmlns="" w="9525">
+              <a14:hiddenLine xmlns="" xmlns:a14="http://schemas.microsoft.com/office/drawing/2010/main" w="9525">
                 <a:solidFill>
                   <a:srgbClr val="000000"/>
                 </a:solidFill>
@@ -3081,7 +3081,7 @@
           <a:p>
             <a:fld id="{DEA6EBF0-8E22-42A7-9BEA-2AC7066E6498}" type="datetimeFigureOut">
               <a:rPr lang="ko-KR" altLang="en-US" smtClean="0"/>
-              <a:t>2023-10-04</a:t>
+              <a:t>2024-03-13</a:t>
             </a:fld>
             <a:endParaRPr lang="ko-KR" altLang="en-US"/>
           </a:p>
@@ -3424,7 +3424,7 @@
           <a:p>
             <a:fld id="{DEA6EBF0-8E22-42A7-9BEA-2AC7066E6498}" type="datetimeFigureOut">
               <a:rPr lang="ko-KR" altLang="en-US" smtClean="0"/>
-              <a:t>2023-10-04</a:t>
+              <a:t>2024-03-13</a:t>
             </a:fld>
             <a:endParaRPr lang="ko-KR" altLang="en-US"/>
           </a:p>
@@ -3579,7 +3579,7 @@
           <a:ln/>
           <a:extLst>
             <a:ext uri="{91240B29-F687-4f45-9708-019B960494DF}">
-              <a14:hiddenLine xmlns:a14="http://schemas.microsoft.com/office/drawing/2010/main" xmlns="" w="9525">
+              <a14:hiddenLine xmlns="" xmlns:a14="http://schemas.microsoft.com/office/drawing/2010/main" w="9525">
                 <a:solidFill>
                   <a:srgbClr val="000000"/>
                 </a:solidFill>
@@ -3763,7 +3763,7 @@
           <a:p>
             <a:fld id="{DEA6EBF0-8E22-42A7-9BEA-2AC7066E6498}" type="datetimeFigureOut">
               <a:rPr lang="ko-KR" altLang="en-US" smtClean="0"/>
-              <a:t>2023-10-04</a:t>
+              <a:t>2024-03-13</a:t>
             </a:fld>
             <a:endParaRPr lang="ko-KR" altLang="en-US"/>
           </a:p>
@@ -3918,7 +3918,7 @@
           <a:ln/>
           <a:extLst>
             <a:ext uri="{91240B29-F687-4f45-9708-019B960494DF}">
-              <a14:hiddenLine xmlns:a14="http://schemas.microsoft.com/office/drawing/2010/main" xmlns="" w="9525">
+              <a14:hiddenLine xmlns="" xmlns:a14="http://schemas.microsoft.com/office/drawing/2010/main" w="9525">
                 <a:solidFill>
                   <a:srgbClr val="000000"/>
                 </a:solidFill>
@@ -4240,7 +4240,7 @@
           <a:p>
             <a:fld id="{DEA6EBF0-8E22-42A7-9BEA-2AC7066E6498}" type="datetimeFigureOut">
               <a:rPr lang="ko-KR" altLang="en-US" smtClean="0"/>
-              <a:t>2023-10-04</a:t>
+              <a:t>2024-03-13</a:t>
             </a:fld>
             <a:endParaRPr lang="ko-KR" altLang="en-US"/>
           </a:p>
@@ -4335,7 +4335,7 @@
           <a:p>
             <a:fld id="{DEA6EBF0-8E22-42A7-9BEA-2AC7066E6498}" type="datetimeFigureOut">
               <a:rPr lang="ko-KR" altLang="en-US" smtClean="0"/>
-              <a:t>2023-10-04</a:t>
+              <a:t>2024-03-13</a:t>
             </a:fld>
             <a:endParaRPr lang="ko-KR" altLang="en-US"/>
           </a:p>
@@ -4603,7 +4603,7 @@
           <a:ln/>
           <a:extLst>
             <a:ext uri="{91240B29-F687-4f45-9708-019B960494DF}">
-              <a14:hiddenLine xmlns:a14="http://schemas.microsoft.com/office/drawing/2010/main" xmlns="" w="9525">
+              <a14:hiddenLine xmlns="" xmlns:a14="http://schemas.microsoft.com/office/drawing/2010/main" w="9525">
                 <a:solidFill>
                   <a:srgbClr val="000000"/>
                 </a:solidFill>
@@ -4802,7 +4802,7 @@
           <a:p>
             <a:fld id="{DEA6EBF0-8E22-42A7-9BEA-2AC7066E6498}" type="datetimeFigureOut">
               <a:rPr lang="ko-KR" altLang="en-US" smtClean="0"/>
-              <a:t>2023-10-04</a:t>
+              <a:t>2024-03-13</a:t>
             </a:fld>
             <a:endParaRPr lang="ko-KR" altLang="en-US"/>
           </a:p>
@@ -5115,7 +5115,7 @@
           <a:p>
             <a:fld id="{DEA6EBF0-8E22-42A7-9BEA-2AC7066E6498}" type="datetimeFigureOut">
               <a:rPr lang="ko-KR" altLang="en-US" smtClean="0"/>
-              <a:t>2023-10-04</a:t>
+              <a:t>2024-03-13</a:t>
             </a:fld>
             <a:endParaRPr lang="ko-KR" altLang="en-US"/>
           </a:p>
@@ -5385,7 +5385,7 @@
           <a:p>
             <a:fld id="{DEA6EBF0-8E22-42A7-9BEA-2AC7066E6498}" type="datetimeFigureOut">
               <a:rPr lang="ko-KR" altLang="en-US" smtClean="0"/>
-              <a:t>2023-10-04</a:t>
+              <a:t>2024-03-13</a:t>
             </a:fld>
             <a:endParaRPr lang="ko-KR" altLang="en-US"/>
           </a:p>
@@ -7037,6 +7037,106 @@
           </a:p>
         </p:txBody>
       </p:sp>
+      <p:cxnSp>
+        <p:nvCxnSpPr>
+          <p:cNvPr id="8" name="연결선: 꺾임 7">
+            <a:extLst>
+              <a:ext uri="{FF2B5EF4-FFF2-40B4-BE49-F238E27FC236}">
+                <a16:creationId xmlns:a16="http://schemas.microsoft.com/office/drawing/2014/main" id="{5A0062FF-7741-F70D-B4C0-E337CB5BBD06}"/>
+              </a:ext>
+            </a:extLst>
+          </p:cNvPr>
+          <p:cNvCxnSpPr>
+            <a:cxnSpLocks/>
+            <a:stCxn id="14" idx="0"/>
+            <a:endCxn id="12" idx="0"/>
+          </p:cNvCxnSpPr>
+          <p:nvPr/>
+        </p:nvCxnSpPr>
+        <p:spPr>
+          <a:xfrm rot="16200000" flipV="1">
+            <a:off x="5416414" y="3304024"/>
+            <a:ext cx="782893" cy="2285035"/>
+          </a:xfrm>
+          <a:prstGeom prst="bentConnector3">
+            <a:avLst>
+              <a:gd name="adj1" fmla="val 129199"/>
+            </a:avLst>
+          </a:prstGeom>
+          <a:ln w="57150" cmpd="dbl">
+            <a:solidFill>
+              <a:schemeClr val="accent6"/>
+            </a:solidFill>
+            <a:prstDash val="dash"/>
+            <a:headEnd type="triangle" w="med" len="med"/>
+            <a:tailEnd type="triangle" w="med" len="med"/>
+          </a:ln>
+        </p:spPr>
+        <p:style>
+          <a:lnRef idx="1">
+            <a:schemeClr val="accent1"/>
+          </a:lnRef>
+          <a:fillRef idx="0">
+            <a:schemeClr val="accent1"/>
+          </a:fillRef>
+          <a:effectRef idx="0">
+            <a:schemeClr val="accent1"/>
+          </a:effectRef>
+          <a:fontRef idx="minor">
+            <a:schemeClr val="tx1"/>
+          </a:fontRef>
+        </p:style>
+      </p:cxnSp>
+      <p:cxnSp>
+        <p:nvCxnSpPr>
+          <p:cNvPr id="15" name="연결선: 꺾임 14">
+            <a:extLst>
+              <a:ext uri="{FF2B5EF4-FFF2-40B4-BE49-F238E27FC236}">
+                <a16:creationId xmlns:a16="http://schemas.microsoft.com/office/drawing/2014/main" id="{5B77BB6A-B8A7-0655-607A-CEDD474F0445}"/>
+              </a:ext>
+            </a:extLst>
+          </p:cNvPr>
+          <p:cNvCxnSpPr>
+            <a:cxnSpLocks/>
+            <a:stCxn id="12" idx="2"/>
+            <a:endCxn id="11" idx="2"/>
+          </p:cNvCxnSpPr>
+          <p:nvPr/>
+        </p:nvCxnSpPr>
+        <p:spPr>
+          <a:xfrm rot="5400000" flipH="1">
+            <a:off x="3141342" y="4096883"/>
+            <a:ext cx="1258529" cy="1789471"/>
+          </a:xfrm>
+          <a:prstGeom prst="bentConnector3">
+            <a:avLst>
+              <a:gd name="adj1" fmla="val -18164"/>
+            </a:avLst>
+          </a:prstGeom>
+          <a:ln w="57150" cmpd="dbl">
+            <a:solidFill>
+              <a:schemeClr val="accent6"/>
+            </a:solidFill>
+            <a:prstDash val="dash"/>
+            <a:headEnd type="triangle" w="med" len="med"/>
+            <a:tailEnd type="triangle" w="med" len="med"/>
+          </a:ln>
+        </p:spPr>
+        <p:style>
+          <a:lnRef idx="1">
+            <a:schemeClr val="accent1"/>
+          </a:lnRef>
+          <a:fillRef idx="0">
+            <a:schemeClr val="accent1"/>
+          </a:fillRef>
+          <a:effectRef idx="0">
+            <a:schemeClr val="accent1"/>
+          </a:effectRef>
+          <a:fontRef idx="minor">
+            <a:schemeClr val="tx1"/>
+          </a:fontRef>
+        </p:style>
+      </p:cxnSp>
     </p:spTree>
     <p:extLst>
       <p:ext uri="{BB962C8B-B14F-4D97-AF65-F5344CB8AC3E}">

--- a/DsDotNet/src/UnitTest/UnitTest.Model/ImportOfficeExample/Sample/Lib/Robot/Weld.pptx
+++ b/DsDotNet/src/UnitTest/UnitTest.Model/ImportOfficeExample/Sample/Lib/Robot/Weld.pptx
@@ -216,7 +216,7 @@
           <a:p>
             <a:fld id="{DD503887-5801-43A0-AEF9-041E8DDC2558}" type="datetimeFigureOut">
               <a:rPr lang="ko-KR" altLang="en-US" smtClean="0"/>
-              <a:t>2024-03-13</a:t>
+              <a:t>2024-05-12</a:t>
             </a:fld>
             <a:endParaRPr lang="ko-KR" altLang="en-US"/>
           </a:p>
@@ -393,7 +393,7 @@
           <a:p>
             <a:fld id="{95336A0E-57B1-4D4C-BD9B-2F72B5943464}" type="datetimeFigureOut">
               <a:rPr lang="ko-KR" altLang="en-US" smtClean="0"/>
-              <a:t>2024-03-13</a:t>
+              <a:t>2024-05-12</a:t>
             </a:fld>
             <a:endParaRPr lang="ko-KR" altLang="en-US"/>
           </a:p>
@@ -755,7 +755,7 @@
           <a:effectLst/>
           <a:extLst>
             <a:ext uri="{91240B29-F687-4f45-9708-019B960494DF}">
-              <a14:hiddenLine xmlns="" xmlns:a14="http://schemas.microsoft.com/office/drawing/2010/main" w="9525">
+              <a14:hiddenLine xmlns:a14="http://schemas.microsoft.com/office/drawing/2010/main" xmlns="" w="9525">
                 <a:solidFill>
                   <a:srgbClr val="000000"/>
                 </a:solidFill>
@@ -947,7 +947,7 @@
           <a:p>
             <a:fld id="{DEA6EBF0-8E22-42A7-9BEA-2AC7066E6498}" type="datetimeFigureOut">
               <a:rPr lang="ko-KR" altLang="en-US" smtClean="0"/>
-              <a:t>2024-03-13</a:t>
+              <a:t>2024-05-12</a:t>
             </a:fld>
             <a:endParaRPr lang="ko-KR" altLang="en-US"/>
           </a:p>
@@ -1265,7 +1265,7 @@
           <a:p>
             <a:fld id="{DEA6EBF0-8E22-42A7-9BEA-2AC7066E6498}" type="datetimeFigureOut">
               <a:rPr lang="ko-KR" altLang="en-US" smtClean="0"/>
-              <a:t>2024-03-13</a:t>
+              <a:t>2024-05-12</a:t>
             </a:fld>
             <a:endParaRPr lang="ko-KR" altLang="en-US"/>
           </a:p>
@@ -1753,7 +1753,7 @@
           <a:p>
             <a:fld id="{DEA6EBF0-8E22-42A7-9BEA-2AC7066E6498}" type="datetimeFigureOut">
               <a:rPr lang="ko-KR" altLang="en-US" smtClean="0"/>
-              <a:t>2024-03-13</a:t>
+              <a:t>2024-05-12</a:t>
             </a:fld>
             <a:endParaRPr lang="ko-KR" altLang="en-US"/>
           </a:p>
@@ -2122,7 +2122,7 @@
           <a:p>
             <a:fld id="{DEA6EBF0-8E22-42A7-9BEA-2AC7066E6498}" type="datetimeFigureOut">
               <a:rPr lang="ko-KR" altLang="en-US" smtClean="0"/>
-              <a:t>2024-03-13</a:t>
+              <a:t>2024-05-12</a:t>
             </a:fld>
             <a:endParaRPr lang="ko-KR" altLang="en-US"/>
           </a:p>
@@ -2277,7 +2277,7 @@
           <a:ln/>
           <a:extLst>
             <a:ext uri="{91240B29-F687-4f45-9708-019B960494DF}">
-              <a14:hiddenLine xmlns="" xmlns:a14="http://schemas.microsoft.com/office/drawing/2010/main" w="9525">
+              <a14:hiddenLine xmlns:a14="http://schemas.microsoft.com/office/drawing/2010/main" xmlns="" w="9525">
                 <a:solidFill>
                   <a:srgbClr val="000000"/>
                 </a:solidFill>
@@ -2395,7 +2395,7 @@
           <a:p>
             <a:fld id="{DEA6EBF0-8E22-42A7-9BEA-2AC7066E6498}" type="datetimeFigureOut">
               <a:rPr lang="ko-KR" altLang="en-US" smtClean="0"/>
-              <a:t>2024-03-13</a:t>
+              <a:t>2024-05-12</a:t>
             </a:fld>
             <a:endParaRPr lang="ko-KR" altLang="en-US"/>
           </a:p>
@@ -2552,7 +2552,7 @@
           <a:ln/>
           <a:extLst>
             <a:ext uri="{91240B29-F687-4f45-9708-019B960494DF}">
-              <a14:hiddenLine xmlns="" xmlns:a14="http://schemas.microsoft.com/office/drawing/2010/main" w="9525">
+              <a14:hiddenLine xmlns:a14="http://schemas.microsoft.com/office/drawing/2010/main" xmlns="" w="9525">
                 <a:solidFill>
                   <a:srgbClr val="000000"/>
                 </a:solidFill>
@@ -2680,7 +2680,7 @@
           <a:p>
             <a:fld id="{DEA6EBF0-8E22-42A7-9BEA-2AC7066E6498}" type="datetimeFigureOut">
               <a:rPr lang="ko-KR" altLang="en-US" smtClean="0"/>
-              <a:t>2024-03-13</a:t>
+              <a:t>2024-05-12</a:t>
             </a:fld>
             <a:endParaRPr lang="ko-KR" altLang="en-US"/>
           </a:p>
@@ -2798,7 +2798,7 @@
           <a:p>
             <a:fld id="{DEA6EBF0-8E22-42A7-9BEA-2AC7066E6498}" type="datetimeFigureOut">
               <a:rPr lang="ko-KR" altLang="en-US" smtClean="0"/>
-              <a:t>2024-03-13</a:t>
+              <a:t>2024-05-12</a:t>
             </a:fld>
             <a:endParaRPr lang="ko-KR" altLang="en-US"/>
           </a:p>
@@ -2953,7 +2953,7 @@
           <a:ln/>
           <a:extLst>
             <a:ext uri="{91240B29-F687-4f45-9708-019B960494DF}">
-              <a14:hiddenLine xmlns="" xmlns:a14="http://schemas.microsoft.com/office/drawing/2010/main" w="9525">
+              <a14:hiddenLine xmlns:a14="http://schemas.microsoft.com/office/drawing/2010/main" xmlns="" w="9525">
                 <a:solidFill>
                   <a:srgbClr val="000000"/>
                 </a:solidFill>
@@ -3081,7 +3081,7 @@
           <a:p>
             <a:fld id="{DEA6EBF0-8E22-42A7-9BEA-2AC7066E6498}" type="datetimeFigureOut">
               <a:rPr lang="ko-KR" altLang="en-US" smtClean="0"/>
-              <a:t>2024-03-13</a:t>
+              <a:t>2024-05-12</a:t>
             </a:fld>
             <a:endParaRPr lang="ko-KR" altLang="en-US"/>
           </a:p>
@@ -3424,7 +3424,7 @@
           <a:p>
             <a:fld id="{DEA6EBF0-8E22-42A7-9BEA-2AC7066E6498}" type="datetimeFigureOut">
               <a:rPr lang="ko-KR" altLang="en-US" smtClean="0"/>
-              <a:t>2024-03-13</a:t>
+              <a:t>2024-05-12</a:t>
             </a:fld>
             <a:endParaRPr lang="ko-KR" altLang="en-US"/>
           </a:p>
@@ -3579,7 +3579,7 @@
           <a:ln/>
           <a:extLst>
             <a:ext uri="{91240B29-F687-4f45-9708-019B960494DF}">
-              <a14:hiddenLine xmlns="" xmlns:a14="http://schemas.microsoft.com/office/drawing/2010/main" w="9525">
+              <a14:hiddenLine xmlns:a14="http://schemas.microsoft.com/office/drawing/2010/main" xmlns="" w="9525">
                 <a:solidFill>
                   <a:srgbClr val="000000"/>
                 </a:solidFill>
@@ -3763,7 +3763,7 @@
           <a:p>
             <a:fld id="{DEA6EBF0-8E22-42A7-9BEA-2AC7066E6498}" type="datetimeFigureOut">
               <a:rPr lang="ko-KR" altLang="en-US" smtClean="0"/>
-              <a:t>2024-03-13</a:t>
+              <a:t>2024-05-12</a:t>
             </a:fld>
             <a:endParaRPr lang="ko-KR" altLang="en-US"/>
           </a:p>
@@ -3918,7 +3918,7 @@
           <a:ln/>
           <a:extLst>
             <a:ext uri="{91240B29-F687-4f45-9708-019B960494DF}">
-              <a14:hiddenLine xmlns="" xmlns:a14="http://schemas.microsoft.com/office/drawing/2010/main" w="9525">
+              <a14:hiddenLine xmlns:a14="http://schemas.microsoft.com/office/drawing/2010/main" xmlns="" w="9525">
                 <a:solidFill>
                   <a:srgbClr val="000000"/>
                 </a:solidFill>
@@ -4240,7 +4240,7 @@
           <a:p>
             <a:fld id="{DEA6EBF0-8E22-42A7-9BEA-2AC7066E6498}" type="datetimeFigureOut">
               <a:rPr lang="ko-KR" altLang="en-US" smtClean="0"/>
-              <a:t>2024-03-13</a:t>
+              <a:t>2024-05-12</a:t>
             </a:fld>
             <a:endParaRPr lang="ko-KR" altLang="en-US"/>
           </a:p>
@@ -4335,7 +4335,7 @@
           <a:p>
             <a:fld id="{DEA6EBF0-8E22-42A7-9BEA-2AC7066E6498}" type="datetimeFigureOut">
               <a:rPr lang="ko-KR" altLang="en-US" smtClean="0"/>
-              <a:t>2024-03-13</a:t>
+              <a:t>2024-05-12</a:t>
             </a:fld>
             <a:endParaRPr lang="ko-KR" altLang="en-US"/>
           </a:p>
@@ -4603,7 +4603,7 @@
           <a:ln/>
           <a:extLst>
             <a:ext uri="{91240B29-F687-4f45-9708-019B960494DF}">
-              <a14:hiddenLine xmlns="" xmlns:a14="http://schemas.microsoft.com/office/drawing/2010/main" w="9525">
+              <a14:hiddenLine xmlns:a14="http://schemas.microsoft.com/office/drawing/2010/main" xmlns="" w="9525">
                 <a:solidFill>
                   <a:srgbClr val="000000"/>
                 </a:solidFill>
@@ -4802,7 +4802,7 @@
           <a:p>
             <a:fld id="{DEA6EBF0-8E22-42A7-9BEA-2AC7066E6498}" type="datetimeFigureOut">
               <a:rPr lang="ko-KR" altLang="en-US" smtClean="0"/>
-              <a:t>2024-03-13</a:t>
+              <a:t>2024-05-12</a:t>
             </a:fld>
             <a:endParaRPr lang="ko-KR" altLang="en-US"/>
           </a:p>
@@ -5115,7 +5115,7 @@
           <a:p>
             <a:fld id="{DEA6EBF0-8E22-42A7-9BEA-2AC7066E6498}" type="datetimeFigureOut">
               <a:rPr lang="ko-KR" altLang="en-US" smtClean="0"/>
-              <a:t>2024-03-13</a:t>
+              <a:t>2024-05-12</a:t>
             </a:fld>
             <a:endParaRPr lang="ko-KR" altLang="en-US"/>
           </a:p>
@@ -5385,7 +5385,7 @@
           <a:p>
             <a:fld id="{DEA6EBF0-8E22-42A7-9BEA-2AC7066E6498}" type="datetimeFigureOut">
               <a:rPr lang="ko-KR" altLang="en-US" smtClean="0"/>
-              <a:t>2024-03-13</a:t>
+              <a:t>2024-05-12</a:t>
             </a:fld>
             <a:endParaRPr lang="ko-KR" altLang="en-US"/>
           </a:p>
@@ -6120,7 +6120,7 @@
               <a:rPr lang="en-US" altLang="ko-KR" sz="1400" dirty="0">
                 <a:ea typeface="현대하모니 M" panose="02020603020101020101"/>
               </a:rPr>
-              <a:t>[R1~]</a:t>
+              <a:t>[R1~ R1]</a:t>
             </a:r>
           </a:p>
         </p:txBody>
@@ -6284,7 +6284,7 @@
               <a:rPr lang="en-US" altLang="ko-KR" sz="1400" dirty="0">
                 <a:ea typeface="현대하모니 M" panose="02020603020101020101"/>
               </a:rPr>
-              <a:t> [R2~]</a:t>
+              <a:t> [R2~ R2]</a:t>
             </a:r>
           </a:p>
         </p:txBody>
@@ -6498,8 +6498,17 @@
               <a:rPr lang="en-US" altLang="ko-KR" sz="1400" dirty="0">
                 <a:ea typeface="현대하모니 M" panose="02020603020101020101"/>
               </a:rPr>
-              <a:t>[R3~]</a:t>
-            </a:r>
+              <a:t>[</a:t>
+            </a:r>
+            <a:r>
+              <a:rPr lang="en-US" altLang="ko-KR" sz="1400">
+                <a:ea typeface="현대하모니 M" panose="02020603020101020101"/>
+              </a:rPr>
+              <a:t>R3~ R3]</a:t>
+            </a:r>
+            <a:endParaRPr lang="en-US" altLang="ko-KR" sz="1400" dirty="0">
+              <a:ea typeface="현대하모니 M" panose="02020603020101020101"/>
+            </a:endParaRPr>
           </a:p>
         </p:txBody>
       </p:sp>

--- a/DsDotNet/src/UnitTest/UnitTest.Model/ImportOfficeExample/Sample/Lib/Robot/Weld.pptx
+++ b/DsDotNet/src/UnitTest/UnitTest.Model/ImportOfficeExample/Sample/Lib/Robot/Weld.pptx
@@ -216,7 +216,7 @@
           <a:p>
             <a:fld id="{DD503887-5801-43A0-AEF9-041E8DDC2558}" type="datetimeFigureOut">
               <a:rPr lang="ko-KR" altLang="en-US" smtClean="0"/>
-              <a:t>2024-05-12</a:t>
+              <a:t>2024-05-29</a:t>
             </a:fld>
             <a:endParaRPr lang="ko-KR" altLang="en-US"/>
           </a:p>
@@ -393,7 +393,7 @@
           <a:p>
             <a:fld id="{95336A0E-57B1-4D4C-BD9B-2F72B5943464}" type="datetimeFigureOut">
               <a:rPr lang="ko-KR" altLang="en-US" smtClean="0"/>
-              <a:t>2024-05-12</a:t>
+              <a:t>2024-05-29</a:t>
             </a:fld>
             <a:endParaRPr lang="ko-KR" altLang="en-US"/>
           </a:p>
@@ -755,7 +755,7 @@
           <a:effectLst/>
           <a:extLst>
             <a:ext uri="{91240B29-F687-4f45-9708-019B960494DF}">
-              <a14:hiddenLine xmlns:a14="http://schemas.microsoft.com/office/drawing/2010/main" xmlns="" w="9525">
+              <a14:hiddenLine xmlns="" xmlns:a14="http://schemas.microsoft.com/office/drawing/2010/main" w="9525">
                 <a:solidFill>
                   <a:srgbClr val="000000"/>
                 </a:solidFill>
@@ -947,7 +947,7 @@
           <a:p>
             <a:fld id="{DEA6EBF0-8E22-42A7-9BEA-2AC7066E6498}" type="datetimeFigureOut">
               <a:rPr lang="ko-KR" altLang="en-US" smtClean="0"/>
-              <a:t>2024-05-12</a:t>
+              <a:t>2024-05-29</a:t>
             </a:fld>
             <a:endParaRPr lang="ko-KR" altLang="en-US"/>
           </a:p>
@@ -1265,7 +1265,7 @@
           <a:p>
             <a:fld id="{DEA6EBF0-8E22-42A7-9BEA-2AC7066E6498}" type="datetimeFigureOut">
               <a:rPr lang="ko-KR" altLang="en-US" smtClean="0"/>
-              <a:t>2024-05-12</a:t>
+              <a:t>2024-05-29</a:t>
             </a:fld>
             <a:endParaRPr lang="ko-KR" altLang="en-US"/>
           </a:p>
@@ -1753,7 +1753,7 @@
           <a:p>
             <a:fld id="{DEA6EBF0-8E22-42A7-9BEA-2AC7066E6498}" type="datetimeFigureOut">
               <a:rPr lang="ko-KR" altLang="en-US" smtClean="0"/>
-              <a:t>2024-05-12</a:t>
+              <a:t>2024-05-29</a:t>
             </a:fld>
             <a:endParaRPr lang="ko-KR" altLang="en-US"/>
           </a:p>
@@ -2122,7 +2122,7 @@
           <a:p>
             <a:fld id="{DEA6EBF0-8E22-42A7-9BEA-2AC7066E6498}" type="datetimeFigureOut">
               <a:rPr lang="ko-KR" altLang="en-US" smtClean="0"/>
-              <a:t>2024-05-12</a:t>
+              <a:t>2024-05-29</a:t>
             </a:fld>
             <a:endParaRPr lang="ko-KR" altLang="en-US"/>
           </a:p>
@@ -2277,7 +2277,7 @@
           <a:ln/>
           <a:extLst>
             <a:ext uri="{91240B29-F687-4f45-9708-019B960494DF}">
-              <a14:hiddenLine xmlns:a14="http://schemas.microsoft.com/office/drawing/2010/main" xmlns="" w="9525">
+              <a14:hiddenLine xmlns="" xmlns:a14="http://schemas.microsoft.com/office/drawing/2010/main" w="9525">
                 <a:solidFill>
                   <a:srgbClr val="000000"/>
                 </a:solidFill>
@@ -2395,7 +2395,7 @@
           <a:p>
             <a:fld id="{DEA6EBF0-8E22-42A7-9BEA-2AC7066E6498}" type="datetimeFigureOut">
               <a:rPr lang="ko-KR" altLang="en-US" smtClean="0"/>
-              <a:t>2024-05-12</a:t>
+              <a:t>2024-05-29</a:t>
             </a:fld>
             <a:endParaRPr lang="ko-KR" altLang="en-US"/>
           </a:p>
@@ -2552,7 +2552,7 @@
           <a:ln/>
           <a:extLst>
             <a:ext uri="{91240B29-F687-4f45-9708-019B960494DF}">
-              <a14:hiddenLine xmlns:a14="http://schemas.microsoft.com/office/drawing/2010/main" xmlns="" w="9525">
+              <a14:hiddenLine xmlns="" xmlns:a14="http://schemas.microsoft.com/office/drawing/2010/main" w="9525">
                 <a:solidFill>
                   <a:srgbClr val="000000"/>
                 </a:solidFill>
@@ -2680,7 +2680,7 @@
           <a:p>
             <a:fld id="{DEA6EBF0-8E22-42A7-9BEA-2AC7066E6498}" type="datetimeFigureOut">
               <a:rPr lang="ko-KR" altLang="en-US" smtClean="0"/>
-              <a:t>2024-05-12</a:t>
+              <a:t>2024-05-29</a:t>
             </a:fld>
             <a:endParaRPr lang="ko-KR" altLang="en-US"/>
           </a:p>
@@ -2798,7 +2798,7 @@
           <a:p>
             <a:fld id="{DEA6EBF0-8E22-42A7-9BEA-2AC7066E6498}" type="datetimeFigureOut">
               <a:rPr lang="ko-KR" altLang="en-US" smtClean="0"/>
-              <a:t>2024-05-12</a:t>
+              <a:t>2024-05-29</a:t>
             </a:fld>
             <a:endParaRPr lang="ko-KR" altLang="en-US"/>
           </a:p>
@@ -2953,7 +2953,7 @@
           <a:ln/>
           <a:extLst>
             <a:ext uri="{91240B29-F687-4f45-9708-019B960494DF}">
-              <a14:hiddenLine xmlns:a14="http://schemas.microsoft.com/office/drawing/2010/main" xmlns="" w="9525">
+              <a14:hiddenLine xmlns="" xmlns:a14="http://schemas.microsoft.com/office/drawing/2010/main" w="9525">
                 <a:solidFill>
                   <a:srgbClr val="000000"/>
                 </a:solidFill>
@@ -3081,7 +3081,7 @@
           <a:p>
             <a:fld id="{DEA6EBF0-8E22-42A7-9BEA-2AC7066E6498}" type="datetimeFigureOut">
               <a:rPr lang="ko-KR" altLang="en-US" smtClean="0"/>
-              <a:t>2024-05-12</a:t>
+              <a:t>2024-05-29</a:t>
             </a:fld>
             <a:endParaRPr lang="ko-KR" altLang="en-US"/>
           </a:p>
@@ -3424,7 +3424,7 @@
           <a:p>
             <a:fld id="{DEA6EBF0-8E22-42A7-9BEA-2AC7066E6498}" type="datetimeFigureOut">
               <a:rPr lang="ko-KR" altLang="en-US" smtClean="0"/>
-              <a:t>2024-05-12</a:t>
+              <a:t>2024-05-29</a:t>
             </a:fld>
             <a:endParaRPr lang="ko-KR" altLang="en-US"/>
           </a:p>
@@ -3579,7 +3579,7 @@
           <a:ln/>
           <a:extLst>
             <a:ext uri="{91240B29-F687-4f45-9708-019B960494DF}">
-              <a14:hiddenLine xmlns:a14="http://schemas.microsoft.com/office/drawing/2010/main" xmlns="" w="9525">
+              <a14:hiddenLine xmlns="" xmlns:a14="http://schemas.microsoft.com/office/drawing/2010/main" w="9525">
                 <a:solidFill>
                   <a:srgbClr val="000000"/>
                 </a:solidFill>
@@ -3763,7 +3763,7 @@
           <a:p>
             <a:fld id="{DEA6EBF0-8E22-42A7-9BEA-2AC7066E6498}" type="datetimeFigureOut">
               <a:rPr lang="ko-KR" altLang="en-US" smtClean="0"/>
-              <a:t>2024-05-12</a:t>
+              <a:t>2024-05-29</a:t>
             </a:fld>
             <a:endParaRPr lang="ko-KR" altLang="en-US"/>
           </a:p>
@@ -3918,7 +3918,7 @@
           <a:ln/>
           <a:extLst>
             <a:ext uri="{91240B29-F687-4f45-9708-019B960494DF}">
-              <a14:hiddenLine xmlns:a14="http://schemas.microsoft.com/office/drawing/2010/main" xmlns="" w="9525">
+              <a14:hiddenLine xmlns="" xmlns:a14="http://schemas.microsoft.com/office/drawing/2010/main" w="9525">
                 <a:solidFill>
                   <a:srgbClr val="000000"/>
                 </a:solidFill>
@@ -4240,7 +4240,7 @@
           <a:p>
             <a:fld id="{DEA6EBF0-8E22-42A7-9BEA-2AC7066E6498}" type="datetimeFigureOut">
               <a:rPr lang="ko-KR" altLang="en-US" smtClean="0"/>
-              <a:t>2024-05-12</a:t>
+              <a:t>2024-05-29</a:t>
             </a:fld>
             <a:endParaRPr lang="ko-KR" altLang="en-US"/>
           </a:p>
@@ -4335,7 +4335,7 @@
           <a:p>
             <a:fld id="{DEA6EBF0-8E22-42A7-9BEA-2AC7066E6498}" type="datetimeFigureOut">
               <a:rPr lang="ko-KR" altLang="en-US" smtClean="0"/>
-              <a:t>2024-05-12</a:t>
+              <a:t>2024-05-29</a:t>
             </a:fld>
             <a:endParaRPr lang="ko-KR" altLang="en-US"/>
           </a:p>
@@ -4603,7 +4603,7 @@
           <a:ln/>
           <a:extLst>
             <a:ext uri="{91240B29-F687-4f45-9708-019B960494DF}">
-              <a14:hiddenLine xmlns:a14="http://schemas.microsoft.com/office/drawing/2010/main" xmlns="" w="9525">
+              <a14:hiddenLine xmlns="" xmlns:a14="http://schemas.microsoft.com/office/drawing/2010/main" w="9525">
                 <a:solidFill>
                   <a:srgbClr val="000000"/>
                 </a:solidFill>
@@ -4802,7 +4802,7 @@
           <a:p>
             <a:fld id="{DEA6EBF0-8E22-42A7-9BEA-2AC7066E6498}" type="datetimeFigureOut">
               <a:rPr lang="ko-KR" altLang="en-US" smtClean="0"/>
-              <a:t>2024-05-12</a:t>
+              <a:t>2024-05-29</a:t>
             </a:fld>
             <a:endParaRPr lang="ko-KR" altLang="en-US"/>
           </a:p>
@@ -5115,7 +5115,7 @@
           <a:p>
             <a:fld id="{DEA6EBF0-8E22-42A7-9BEA-2AC7066E6498}" type="datetimeFigureOut">
               <a:rPr lang="ko-KR" altLang="en-US" smtClean="0"/>
-              <a:t>2024-05-12</a:t>
+              <a:t>2024-05-29</a:t>
             </a:fld>
             <a:endParaRPr lang="ko-KR" altLang="en-US"/>
           </a:p>
@@ -5385,7 +5385,7 @@
           <a:p>
             <a:fld id="{DEA6EBF0-8E22-42A7-9BEA-2AC7066E6498}" type="datetimeFigureOut">
               <a:rPr lang="ko-KR" altLang="en-US" smtClean="0"/>
-              <a:t>2024-05-12</a:t>
+              <a:t>2024-05-29</a:t>
             </a:fld>
             <a:endParaRPr lang="ko-KR" altLang="en-US"/>
           </a:p>
@@ -6289,56 +6289,6 @@
           </a:p>
         </p:txBody>
       </p:sp>
-      <p:cxnSp>
-        <p:nvCxnSpPr>
-          <p:cNvPr id="5" name="연결선: 꺾임 4">
-            <a:extLst>
-              <a:ext uri="{FF2B5EF4-FFF2-40B4-BE49-F238E27FC236}">
-                <a16:creationId xmlns:a16="http://schemas.microsoft.com/office/drawing/2014/main" id="{F7145B42-2C09-D6CE-2298-12CF80CB6686}"/>
-              </a:ext>
-            </a:extLst>
-          </p:cNvPr>
-          <p:cNvCxnSpPr>
-            <a:cxnSpLocks/>
-            <a:stCxn id="4" idx="1"/>
-            <a:endCxn id="3" idx="1"/>
-          </p:cNvCxnSpPr>
-          <p:nvPr/>
-        </p:nvCxnSpPr>
-        <p:spPr>
-          <a:xfrm rot="10800000" flipH="1">
-            <a:off x="9156759" y="2569042"/>
-            <a:ext cx="1" cy="779478"/>
-          </a:xfrm>
-          <a:prstGeom prst="bentConnector3">
-            <a:avLst>
-              <a:gd name="adj1" fmla="val -22860000000"/>
-            </a:avLst>
-          </a:prstGeom>
-          <a:ln w="57150" cmpd="dbl">
-            <a:solidFill>
-              <a:schemeClr val="accent6"/>
-            </a:solidFill>
-            <a:prstDash val="dash"/>
-            <a:headEnd type="triangle" w="med" len="med"/>
-            <a:tailEnd type="triangle" w="med" len="med"/>
-          </a:ln>
-        </p:spPr>
-        <p:style>
-          <a:lnRef idx="1">
-            <a:schemeClr val="accent1"/>
-          </a:lnRef>
-          <a:fillRef idx="0">
-            <a:schemeClr val="accent1"/>
-          </a:fillRef>
-          <a:effectRef idx="0">
-            <a:schemeClr val="accent1"/>
-          </a:effectRef>
-          <a:fontRef idx="minor">
-            <a:schemeClr val="tx1"/>
-          </a:fontRef>
-        </p:style>
-      </p:cxnSp>
       <p:sp>
         <p:nvSpPr>
           <p:cNvPr id="6" name="화살표: 오각형 5">
@@ -6512,108 +6462,6 @@
           </a:p>
         </p:txBody>
       </p:sp>
-      <p:cxnSp>
-        <p:nvCxnSpPr>
-          <p:cNvPr id="7" name="연결선: 꺾임 6">
-            <a:extLst>
-              <a:ext uri="{FF2B5EF4-FFF2-40B4-BE49-F238E27FC236}">
-                <a16:creationId xmlns:a16="http://schemas.microsoft.com/office/drawing/2014/main" id="{A3C251A6-0059-5890-B4C4-7C7599E7A2D0}"/>
-              </a:ext>
-            </a:extLst>
-          </p:cNvPr>
-          <p:cNvCxnSpPr>
-            <a:cxnSpLocks/>
-            <a:stCxn id="6" idx="1"/>
-            <a:endCxn id="4" idx="1"/>
-          </p:cNvCxnSpPr>
-          <p:nvPr/>
-        </p:nvCxnSpPr>
-        <p:spPr>
-          <a:xfrm rot="10800000" flipH="1">
-            <a:off x="9156758" y="3348521"/>
-            <a:ext cx="1" cy="779479"/>
-          </a:xfrm>
-          <a:prstGeom prst="bentConnector3">
-            <a:avLst>
-              <a:gd name="adj1" fmla="val -22860000000"/>
-            </a:avLst>
-          </a:prstGeom>
-          <a:ln w="57150" cmpd="dbl">
-            <a:solidFill>
-              <a:schemeClr val="accent6"/>
-            </a:solidFill>
-            <a:prstDash val="dash"/>
-            <a:headEnd type="triangle" w="med" len="med"/>
-            <a:tailEnd type="triangle" w="med" len="med"/>
-          </a:ln>
-        </p:spPr>
-        <p:style>
-          <a:lnRef idx="1">
-            <a:schemeClr val="accent1"/>
-          </a:lnRef>
-          <a:fillRef idx="0">
-            <a:schemeClr val="accent1"/>
-          </a:fillRef>
-          <a:effectRef idx="0">
-            <a:schemeClr val="accent1"/>
-          </a:effectRef>
-          <a:fontRef idx="minor">
-            <a:schemeClr val="tx1"/>
-          </a:fontRef>
-        </p:style>
-      </p:cxnSp>
-      <p:cxnSp>
-        <p:nvCxnSpPr>
-          <p:cNvPr id="10" name="연결선: 꺾임 9">
-            <a:extLst>
-              <a:ext uri="{FF2B5EF4-FFF2-40B4-BE49-F238E27FC236}">
-                <a16:creationId xmlns:a16="http://schemas.microsoft.com/office/drawing/2014/main" id="{DE39990F-E1AA-35E1-9328-7B60D1E11FCA}"/>
-              </a:ext>
-            </a:extLst>
-          </p:cNvPr>
-          <p:cNvCxnSpPr>
-            <a:cxnSpLocks/>
-            <a:stCxn id="6" idx="2"/>
-            <a:endCxn id="3" idx="0"/>
-          </p:cNvCxnSpPr>
-          <p:nvPr/>
-        </p:nvCxnSpPr>
-        <p:spPr>
-          <a:xfrm rot="5400000" flipH="1" flipV="1">
-            <a:off x="9168480" y="3348520"/>
-            <a:ext cx="2248981" cy="2"/>
-          </a:xfrm>
-          <a:prstGeom prst="bentConnector5">
-            <a:avLst>
-              <a:gd name="adj1" fmla="val -10165"/>
-              <a:gd name="adj2" fmla="val 85491200000"/>
-              <a:gd name="adj3" fmla="val 110165"/>
-            </a:avLst>
-          </a:prstGeom>
-          <a:ln w="57150" cmpd="dbl">
-            <a:solidFill>
-              <a:schemeClr val="accent6"/>
-            </a:solidFill>
-            <a:prstDash val="dash"/>
-            <a:headEnd type="triangle" w="med" len="med"/>
-            <a:tailEnd type="triangle" w="med" len="med"/>
-          </a:ln>
-        </p:spPr>
-        <p:style>
-          <a:lnRef idx="1">
-            <a:schemeClr val="accent1"/>
-          </a:lnRef>
-          <a:fillRef idx="0">
-            <a:schemeClr val="accent1"/>
-          </a:fillRef>
-          <a:effectRef idx="0">
-            <a:schemeClr val="accent1"/>
-          </a:effectRef>
-          <a:fontRef idx="minor">
-            <a:schemeClr val="tx1"/>
-          </a:fontRef>
-        </p:style>
-      </p:cxnSp>
       <p:sp>
         <p:nvSpPr>
           <p:cNvPr id="11" name="직사각형 10">
@@ -6628,7 +6476,7 @@
         </p:nvSpPr>
         <p:spPr>
           <a:xfrm>
-            <a:off x="2069626" y="2796566"/>
+            <a:off x="1204965" y="2489307"/>
             <a:ext cx="1612490" cy="1565787"/>
           </a:xfrm>
           <a:prstGeom prst="rect">
@@ -6772,7 +6620,7 @@
         </p:nvSpPr>
         <p:spPr>
           <a:xfrm>
-            <a:off x="3859097" y="4055095"/>
+            <a:off x="3710010" y="3690117"/>
             <a:ext cx="1612490" cy="1565787"/>
           </a:xfrm>
           <a:prstGeom prst="rect">
@@ -6916,7 +6764,7 @@
         </p:nvSpPr>
         <p:spPr>
           <a:xfrm>
-            <a:off x="6144132" y="4837988"/>
+            <a:off x="6293219" y="4845025"/>
             <a:ext cx="1612490" cy="1565787"/>
           </a:xfrm>
           <a:prstGeom prst="rect">
@@ -7048,37 +6896,34 @@
       </p:sp>
       <p:cxnSp>
         <p:nvCxnSpPr>
-          <p:cNvPr id="8" name="연결선: 꺾임 7">
+          <p:cNvPr id="18" name="연결선: 꺾임 17">
             <a:extLst>
               <a:ext uri="{FF2B5EF4-FFF2-40B4-BE49-F238E27FC236}">
-                <a16:creationId xmlns:a16="http://schemas.microsoft.com/office/drawing/2014/main" id="{5A0062FF-7741-F70D-B4C0-E337CB5BBD06}"/>
+                <a16:creationId xmlns:a16="http://schemas.microsoft.com/office/drawing/2014/main" id="{E850C4BC-6753-C6F6-31A4-F6EE1ABE6DFC}"/>
               </a:ext>
             </a:extLst>
           </p:cNvPr>
           <p:cNvCxnSpPr>
             <a:cxnSpLocks/>
-            <a:stCxn id="14" idx="0"/>
-            <a:endCxn id="12" idx="0"/>
+            <a:stCxn id="11" idx="3"/>
+            <a:endCxn id="12" idx="1"/>
           </p:cNvCxnSpPr>
           <p:nvPr/>
         </p:nvCxnSpPr>
         <p:spPr>
-          <a:xfrm rot="16200000" flipV="1">
-            <a:off x="5416414" y="3304024"/>
-            <a:ext cx="782893" cy="2285035"/>
+          <a:xfrm>
+            <a:off x="2817455" y="3272201"/>
+            <a:ext cx="892555" cy="1200810"/>
           </a:xfrm>
           <a:prstGeom prst="bentConnector3">
             <a:avLst>
-              <a:gd name="adj1" fmla="val 129199"/>
+              <a:gd name="adj1" fmla="val 50000"/>
             </a:avLst>
           </a:prstGeom>
-          <a:ln w="57150" cmpd="dbl">
-            <a:solidFill>
-              <a:schemeClr val="accent6"/>
-            </a:solidFill>
+          <a:ln w="25400">
             <a:prstDash val="dash"/>
-            <a:headEnd type="triangle" w="med" len="med"/>
-            <a:tailEnd type="triangle" w="med" len="med"/>
+            <a:headEnd type="triangle" w="lg" len="lg"/>
+            <a:tailEnd type="triangle" w="lg" len="lg"/>
           </a:ln>
         </p:spPr>
         <p:style>
@@ -7098,37 +6943,34 @@
       </p:cxnSp>
       <p:cxnSp>
         <p:nvCxnSpPr>
-          <p:cNvPr id="15" name="연결선: 꺾임 14">
+          <p:cNvPr id="19" name="연결선: 꺾임 18">
             <a:extLst>
               <a:ext uri="{FF2B5EF4-FFF2-40B4-BE49-F238E27FC236}">
-                <a16:creationId xmlns:a16="http://schemas.microsoft.com/office/drawing/2014/main" id="{5B77BB6A-B8A7-0655-607A-CEDD474F0445}"/>
+                <a16:creationId xmlns:a16="http://schemas.microsoft.com/office/drawing/2014/main" id="{A246ED4B-D569-904B-AD00-5096CB2EE588}"/>
               </a:ext>
             </a:extLst>
           </p:cNvPr>
           <p:cNvCxnSpPr>
             <a:cxnSpLocks/>
-            <a:stCxn id="12" idx="2"/>
-            <a:endCxn id="11" idx="2"/>
+            <a:stCxn id="12" idx="3"/>
+            <a:endCxn id="14" idx="1"/>
           </p:cNvCxnSpPr>
           <p:nvPr/>
         </p:nvCxnSpPr>
         <p:spPr>
-          <a:xfrm rot="5400000" flipH="1">
-            <a:off x="3141342" y="4096883"/>
-            <a:ext cx="1258529" cy="1789471"/>
+          <a:xfrm>
+            <a:off x="5322500" y="4473011"/>
+            <a:ext cx="970719" cy="1154908"/>
           </a:xfrm>
           <a:prstGeom prst="bentConnector3">
             <a:avLst>
-              <a:gd name="adj1" fmla="val -18164"/>
+              <a:gd name="adj1" fmla="val 50000"/>
             </a:avLst>
           </a:prstGeom>
-          <a:ln w="57150" cmpd="dbl">
-            <a:solidFill>
-              <a:schemeClr val="accent6"/>
-            </a:solidFill>
+          <a:ln w="25400">
             <a:prstDash val="dash"/>
-            <a:headEnd type="triangle" w="med" len="med"/>
-            <a:tailEnd type="triangle" w="med" len="med"/>
+            <a:headEnd type="triangle" w="lg" len="lg"/>
+            <a:tailEnd type="triangle" w="lg" len="lg"/>
           </a:ln>
         </p:spPr>
         <p:style>

--- a/DsDotNet/src/UnitTest/UnitTest.Model/ImportOfficeExample/Sample/Lib/Robot/Weld.pptx
+++ b/DsDotNet/src/UnitTest/UnitTest.Model/ImportOfficeExample/Sample/Lib/Robot/Weld.pptx
@@ -216,7 +216,7 @@
           <a:p>
             <a:fld id="{DD503887-5801-43A0-AEF9-041E8DDC2558}" type="datetimeFigureOut">
               <a:rPr lang="ko-KR" altLang="en-US" smtClean="0"/>
-              <a:t>2024-05-29</a:t>
+              <a:t>2024-05-30</a:t>
             </a:fld>
             <a:endParaRPr lang="ko-KR" altLang="en-US"/>
           </a:p>
@@ -393,7 +393,7 @@
           <a:p>
             <a:fld id="{95336A0E-57B1-4D4C-BD9B-2F72B5943464}" type="datetimeFigureOut">
               <a:rPr lang="ko-KR" altLang="en-US" smtClean="0"/>
-              <a:t>2024-05-29</a:t>
+              <a:t>2024-05-30</a:t>
             </a:fld>
             <a:endParaRPr lang="ko-KR" altLang="en-US"/>
           </a:p>
@@ -947,7 +947,7 @@
           <a:p>
             <a:fld id="{DEA6EBF0-8E22-42A7-9BEA-2AC7066E6498}" type="datetimeFigureOut">
               <a:rPr lang="ko-KR" altLang="en-US" smtClean="0"/>
-              <a:t>2024-05-29</a:t>
+              <a:t>2024-05-30</a:t>
             </a:fld>
             <a:endParaRPr lang="ko-KR" altLang="en-US"/>
           </a:p>
@@ -1265,7 +1265,7 @@
           <a:p>
             <a:fld id="{DEA6EBF0-8E22-42A7-9BEA-2AC7066E6498}" type="datetimeFigureOut">
               <a:rPr lang="ko-KR" altLang="en-US" smtClean="0"/>
-              <a:t>2024-05-29</a:t>
+              <a:t>2024-05-30</a:t>
             </a:fld>
             <a:endParaRPr lang="ko-KR" altLang="en-US"/>
           </a:p>
@@ -1753,7 +1753,7 @@
           <a:p>
             <a:fld id="{DEA6EBF0-8E22-42A7-9BEA-2AC7066E6498}" type="datetimeFigureOut">
               <a:rPr lang="ko-KR" altLang="en-US" smtClean="0"/>
-              <a:t>2024-05-29</a:t>
+              <a:t>2024-05-30</a:t>
             </a:fld>
             <a:endParaRPr lang="ko-KR" altLang="en-US"/>
           </a:p>
@@ -2122,7 +2122,7 @@
           <a:p>
             <a:fld id="{DEA6EBF0-8E22-42A7-9BEA-2AC7066E6498}" type="datetimeFigureOut">
               <a:rPr lang="ko-KR" altLang="en-US" smtClean="0"/>
-              <a:t>2024-05-29</a:t>
+              <a:t>2024-05-30</a:t>
             </a:fld>
             <a:endParaRPr lang="ko-KR" altLang="en-US"/>
           </a:p>
@@ -2395,7 +2395,7 @@
           <a:p>
             <a:fld id="{DEA6EBF0-8E22-42A7-9BEA-2AC7066E6498}" type="datetimeFigureOut">
               <a:rPr lang="ko-KR" altLang="en-US" smtClean="0"/>
-              <a:t>2024-05-29</a:t>
+              <a:t>2024-05-30</a:t>
             </a:fld>
             <a:endParaRPr lang="ko-KR" altLang="en-US"/>
           </a:p>
@@ -2680,7 +2680,7 @@
           <a:p>
             <a:fld id="{DEA6EBF0-8E22-42A7-9BEA-2AC7066E6498}" type="datetimeFigureOut">
               <a:rPr lang="ko-KR" altLang="en-US" smtClean="0"/>
-              <a:t>2024-05-29</a:t>
+              <a:t>2024-05-30</a:t>
             </a:fld>
             <a:endParaRPr lang="ko-KR" altLang="en-US"/>
           </a:p>
@@ -2798,7 +2798,7 @@
           <a:p>
             <a:fld id="{DEA6EBF0-8E22-42A7-9BEA-2AC7066E6498}" type="datetimeFigureOut">
               <a:rPr lang="ko-KR" altLang="en-US" smtClean="0"/>
-              <a:t>2024-05-29</a:t>
+              <a:t>2024-05-30</a:t>
             </a:fld>
             <a:endParaRPr lang="ko-KR" altLang="en-US"/>
           </a:p>
@@ -3081,7 +3081,7 @@
           <a:p>
             <a:fld id="{DEA6EBF0-8E22-42A7-9BEA-2AC7066E6498}" type="datetimeFigureOut">
               <a:rPr lang="ko-KR" altLang="en-US" smtClean="0"/>
-              <a:t>2024-05-29</a:t>
+              <a:t>2024-05-30</a:t>
             </a:fld>
             <a:endParaRPr lang="ko-KR" altLang="en-US"/>
           </a:p>
@@ -3424,7 +3424,7 @@
           <a:p>
             <a:fld id="{DEA6EBF0-8E22-42A7-9BEA-2AC7066E6498}" type="datetimeFigureOut">
               <a:rPr lang="ko-KR" altLang="en-US" smtClean="0"/>
-              <a:t>2024-05-29</a:t>
+              <a:t>2024-05-30</a:t>
             </a:fld>
             <a:endParaRPr lang="ko-KR" altLang="en-US"/>
           </a:p>
@@ -3763,7 +3763,7 @@
           <a:p>
             <a:fld id="{DEA6EBF0-8E22-42A7-9BEA-2AC7066E6498}" type="datetimeFigureOut">
               <a:rPr lang="ko-KR" altLang="en-US" smtClean="0"/>
-              <a:t>2024-05-29</a:t>
+              <a:t>2024-05-30</a:t>
             </a:fld>
             <a:endParaRPr lang="ko-KR" altLang="en-US"/>
           </a:p>
@@ -4240,7 +4240,7 @@
           <a:p>
             <a:fld id="{DEA6EBF0-8E22-42A7-9BEA-2AC7066E6498}" type="datetimeFigureOut">
               <a:rPr lang="ko-KR" altLang="en-US" smtClean="0"/>
-              <a:t>2024-05-29</a:t>
+              <a:t>2024-05-30</a:t>
             </a:fld>
             <a:endParaRPr lang="ko-KR" altLang="en-US"/>
           </a:p>
@@ -4335,7 +4335,7 @@
           <a:p>
             <a:fld id="{DEA6EBF0-8E22-42A7-9BEA-2AC7066E6498}" type="datetimeFigureOut">
               <a:rPr lang="ko-KR" altLang="en-US" smtClean="0"/>
-              <a:t>2024-05-29</a:t>
+              <a:t>2024-05-30</a:t>
             </a:fld>
             <a:endParaRPr lang="ko-KR" altLang="en-US"/>
           </a:p>
@@ -4802,7 +4802,7 @@
           <a:p>
             <a:fld id="{DEA6EBF0-8E22-42A7-9BEA-2AC7066E6498}" type="datetimeFigureOut">
               <a:rPr lang="ko-KR" altLang="en-US" smtClean="0"/>
-              <a:t>2024-05-29</a:t>
+              <a:t>2024-05-30</a:t>
             </a:fld>
             <a:endParaRPr lang="ko-KR" altLang="en-US"/>
           </a:p>
@@ -5115,7 +5115,7 @@
           <a:p>
             <a:fld id="{DEA6EBF0-8E22-42A7-9BEA-2AC7066E6498}" type="datetimeFigureOut">
               <a:rPr lang="ko-KR" altLang="en-US" smtClean="0"/>
-              <a:t>2024-05-29</a:t>
+              <a:t>2024-05-30</a:t>
             </a:fld>
             <a:endParaRPr lang="ko-KR" altLang="en-US"/>
           </a:p>
@@ -5385,7 +5385,7 @@
           <a:p>
             <a:fld id="{DEA6EBF0-8E22-42A7-9BEA-2AC7066E6498}" type="datetimeFigureOut">
               <a:rPr lang="ko-KR" altLang="en-US" smtClean="0"/>
-              <a:t>2024-05-29</a:t>
+              <a:t>2024-05-30</a:t>
             </a:fld>
             <a:endParaRPr lang="ko-KR" altLang="en-US"/>
           </a:p>
@@ -6476,8 +6476,8 @@
         </p:nvSpPr>
         <p:spPr>
           <a:xfrm>
-            <a:off x="1204965" y="2489307"/>
-            <a:ext cx="1612490" cy="1565787"/>
+            <a:off x="1204965" y="3782987"/>
+            <a:ext cx="982224" cy="740766"/>
           </a:xfrm>
           <a:prstGeom prst="rect">
             <a:avLst/>
@@ -6600,7 +6600,7 @@
             <a:pPr algn="ctr"/>
             <a:r>
               <a:rPr lang="en-US" altLang="ko-KR" dirty="0"/>
-              <a:t>R1</a:t>
+              <a:t>R2</a:t>
             </a:r>
             <a:endParaRPr lang="ko-KR" altLang="en-US" dirty="0"/>
           </a:p>
@@ -6620,8 +6620,8 @@
         </p:nvSpPr>
         <p:spPr>
           <a:xfrm>
-            <a:off x="3710010" y="3690117"/>
-            <a:ext cx="1612490" cy="1565787"/>
+            <a:off x="3218898" y="3782987"/>
+            <a:ext cx="982224" cy="740766"/>
           </a:xfrm>
           <a:prstGeom prst="rect">
             <a:avLst/>
@@ -6744,162 +6744,18 @@
             <a:pPr algn="ctr"/>
             <a:r>
               <a:rPr lang="en-US" altLang="ko-KR" dirty="0"/>
-              <a:t>R2</a:t>
+              <a:t>R3</a:t>
             </a:r>
             <a:endParaRPr lang="ko-KR" altLang="en-US" dirty="0"/>
           </a:p>
         </p:txBody>
       </p:sp>
-      <p:sp>
-        <p:nvSpPr>
-          <p:cNvPr id="14" name="직사각형 13">
+      <p:cxnSp>
+        <p:nvCxnSpPr>
+          <p:cNvPr id="13" name="직선 화살표 연결선 12">
             <a:extLst>
               <a:ext uri="{FF2B5EF4-FFF2-40B4-BE49-F238E27FC236}">
-                <a16:creationId xmlns:a16="http://schemas.microsoft.com/office/drawing/2014/main" id="{493F988D-BBC7-8C87-39AC-067162E6E9A4}"/>
-              </a:ext>
-            </a:extLst>
-          </p:cNvPr>
-          <p:cNvSpPr/>
-          <p:nvPr/>
-        </p:nvSpPr>
-        <p:spPr>
-          <a:xfrm>
-            <a:off x="6293219" y="4845025"/>
-            <a:ext cx="1612490" cy="1565787"/>
-          </a:xfrm>
-          <a:prstGeom prst="rect">
-            <a:avLst/>
-          </a:prstGeom>
-        </p:spPr>
-        <p:style>
-          <a:lnRef idx="2">
-            <a:schemeClr val="accent1">
-              <a:shade val="50000"/>
-            </a:schemeClr>
-          </a:lnRef>
-          <a:fillRef idx="1">
-            <a:schemeClr val="accent1"/>
-          </a:fillRef>
-          <a:effectRef idx="0">
-            <a:schemeClr val="accent1"/>
-          </a:effectRef>
-          <a:fontRef idx="minor">
-            <a:schemeClr val="lt1"/>
-          </a:fontRef>
-        </p:style>
-        <p:txBody>
-          <a:bodyPr rtlCol="0" anchor="ctr"/>
-          <a:lstStyle>
-            <a:defPPr>
-              <a:defRPr lang="ko-KR"/>
-            </a:defPPr>
-            <a:lvl1pPr marL="0" algn="l" defTabSz="914400" rtl="0" eaLnBrk="1" latinLnBrk="1" hangingPunct="1">
-              <a:defRPr sz="1800" kern="1200">
-                <a:solidFill>
-                  <a:schemeClr val="lt1"/>
-                </a:solidFill>
-                <a:latin typeface="+mn-lt"/>
-                <a:ea typeface="+mn-ea"/>
-                <a:cs typeface="+mn-cs"/>
-              </a:defRPr>
-            </a:lvl1pPr>
-            <a:lvl2pPr marL="457200" algn="l" defTabSz="914400" rtl="0" eaLnBrk="1" latinLnBrk="1" hangingPunct="1">
-              <a:defRPr sz="1800" kern="1200">
-                <a:solidFill>
-                  <a:schemeClr val="lt1"/>
-                </a:solidFill>
-                <a:latin typeface="+mn-lt"/>
-                <a:ea typeface="+mn-ea"/>
-                <a:cs typeface="+mn-cs"/>
-              </a:defRPr>
-            </a:lvl2pPr>
-            <a:lvl3pPr marL="914400" algn="l" defTabSz="914400" rtl="0" eaLnBrk="1" latinLnBrk="1" hangingPunct="1">
-              <a:defRPr sz="1800" kern="1200">
-                <a:solidFill>
-                  <a:schemeClr val="lt1"/>
-                </a:solidFill>
-                <a:latin typeface="+mn-lt"/>
-                <a:ea typeface="+mn-ea"/>
-                <a:cs typeface="+mn-cs"/>
-              </a:defRPr>
-            </a:lvl3pPr>
-            <a:lvl4pPr marL="1371600" algn="l" defTabSz="914400" rtl="0" eaLnBrk="1" latinLnBrk="1" hangingPunct="1">
-              <a:defRPr sz="1800" kern="1200">
-                <a:solidFill>
-                  <a:schemeClr val="lt1"/>
-                </a:solidFill>
-                <a:latin typeface="+mn-lt"/>
-                <a:ea typeface="+mn-ea"/>
-                <a:cs typeface="+mn-cs"/>
-              </a:defRPr>
-            </a:lvl4pPr>
-            <a:lvl5pPr marL="1828800" algn="l" defTabSz="914400" rtl="0" eaLnBrk="1" latinLnBrk="1" hangingPunct="1">
-              <a:defRPr sz="1800" kern="1200">
-                <a:solidFill>
-                  <a:schemeClr val="lt1"/>
-                </a:solidFill>
-                <a:latin typeface="+mn-lt"/>
-                <a:ea typeface="+mn-ea"/>
-                <a:cs typeface="+mn-cs"/>
-              </a:defRPr>
-            </a:lvl5pPr>
-            <a:lvl6pPr marL="2286000" algn="l" defTabSz="914400" rtl="0" eaLnBrk="1" latinLnBrk="1" hangingPunct="1">
-              <a:defRPr sz="1800" kern="1200">
-                <a:solidFill>
-                  <a:schemeClr val="lt1"/>
-                </a:solidFill>
-                <a:latin typeface="+mn-lt"/>
-                <a:ea typeface="+mn-ea"/>
-                <a:cs typeface="+mn-cs"/>
-              </a:defRPr>
-            </a:lvl6pPr>
-            <a:lvl7pPr marL="2743200" algn="l" defTabSz="914400" rtl="0" eaLnBrk="1" latinLnBrk="1" hangingPunct="1">
-              <a:defRPr sz="1800" kern="1200">
-                <a:solidFill>
-                  <a:schemeClr val="lt1"/>
-                </a:solidFill>
-                <a:latin typeface="+mn-lt"/>
-                <a:ea typeface="+mn-ea"/>
-                <a:cs typeface="+mn-cs"/>
-              </a:defRPr>
-            </a:lvl7pPr>
-            <a:lvl8pPr marL="3200400" algn="l" defTabSz="914400" rtl="0" eaLnBrk="1" latinLnBrk="1" hangingPunct="1">
-              <a:defRPr sz="1800" kern="1200">
-                <a:solidFill>
-                  <a:schemeClr val="lt1"/>
-                </a:solidFill>
-                <a:latin typeface="+mn-lt"/>
-                <a:ea typeface="+mn-ea"/>
-                <a:cs typeface="+mn-cs"/>
-              </a:defRPr>
-            </a:lvl8pPr>
-            <a:lvl9pPr marL="3657600" algn="l" defTabSz="914400" rtl="0" eaLnBrk="1" latinLnBrk="1" hangingPunct="1">
-              <a:defRPr sz="1800" kern="1200">
-                <a:solidFill>
-                  <a:schemeClr val="lt1"/>
-                </a:solidFill>
-                <a:latin typeface="+mn-lt"/>
-                <a:ea typeface="+mn-ea"/>
-                <a:cs typeface="+mn-cs"/>
-              </a:defRPr>
-            </a:lvl9pPr>
-          </a:lstStyle>
-          <a:p>
-            <a:pPr algn="ctr"/>
-            <a:r>
-              <a:rPr lang="en-US" altLang="ko-KR" dirty="0"/>
-              <a:t>R3</a:t>
-            </a:r>
-            <a:endParaRPr lang="ko-KR" altLang="en-US" dirty="0"/>
-          </a:p>
-        </p:txBody>
-      </p:sp>
-      <p:cxnSp>
-        <p:nvCxnSpPr>
-          <p:cNvPr id="18" name="연결선: 꺾임 17">
-            <a:extLst>
-              <a:ext uri="{FF2B5EF4-FFF2-40B4-BE49-F238E27FC236}">
-                <a16:creationId xmlns:a16="http://schemas.microsoft.com/office/drawing/2014/main" id="{E850C4BC-6753-C6F6-31A4-F6EE1ABE6DFC}"/>
+                <a16:creationId xmlns:a16="http://schemas.microsoft.com/office/drawing/2014/main" id="{300CF368-D5B4-22F9-7836-EE0744844558}"/>
               </a:ext>
             </a:extLst>
           </p:cNvPr>
@@ -6912,13 +6768,11 @@
         </p:nvCxnSpPr>
         <p:spPr>
           <a:xfrm>
-            <a:off x="2817455" y="3272201"/>
-            <a:ext cx="892555" cy="1200810"/>
+            <a:off x="2187189" y="4153370"/>
+            <a:ext cx="1031709" cy="0"/>
           </a:xfrm>
-          <a:prstGeom prst="bentConnector3">
-            <a:avLst>
-              <a:gd name="adj1" fmla="val 50000"/>
-            </a:avLst>
+          <a:prstGeom prst="straightConnector1">
+            <a:avLst/>
           </a:prstGeom>
           <a:ln w="25400">
             <a:prstDash val="dash"/>
@@ -6941,31 +6795,650 @@
           </a:fontRef>
         </p:style>
       </p:cxnSp>
+      <p:sp>
+        <p:nvSpPr>
+          <p:cNvPr id="16" name="직사각형 15">
+            <a:extLst>
+              <a:ext uri="{FF2B5EF4-FFF2-40B4-BE49-F238E27FC236}">
+                <a16:creationId xmlns:a16="http://schemas.microsoft.com/office/drawing/2014/main" id="{507B4271-2FC4-815C-9A74-D4AF3359BA68}"/>
+              </a:ext>
+            </a:extLst>
+          </p:cNvPr>
+          <p:cNvSpPr/>
+          <p:nvPr/>
+        </p:nvSpPr>
+        <p:spPr>
+          <a:xfrm>
+            <a:off x="1204965" y="5025379"/>
+            <a:ext cx="982224" cy="740766"/>
+          </a:xfrm>
+          <a:prstGeom prst="rect">
+            <a:avLst/>
+          </a:prstGeom>
+        </p:spPr>
+        <p:style>
+          <a:lnRef idx="2">
+            <a:schemeClr val="accent1">
+              <a:shade val="50000"/>
+            </a:schemeClr>
+          </a:lnRef>
+          <a:fillRef idx="1">
+            <a:schemeClr val="accent1"/>
+          </a:fillRef>
+          <a:effectRef idx="0">
+            <a:schemeClr val="accent1"/>
+          </a:effectRef>
+          <a:fontRef idx="minor">
+            <a:schemeClr val="lt1"/>
+          </a:fontRef>
+        </p:style>
+        <p:txBody>
+          <a:bodyPr rtlCol="0" anchor="ctr"/>
+          <a:lstStyle>
+            <a:defPPr>
+              <a:defRPr lang="ko-KR"/>
+            </a:defPPr>
+            <a:lvl1pPr marL="0" algn="l" defTabSz="914400" rtl="0" eaLnBrk="1" latinLnBrk="1" hangingPunct="1">
+              <a:defRPr sz="1800" kern="1200">
+                <a:solidFill>
+                  <a:schemeClr val="lt1"/>
+                </a:solidFill>
+                <a:latin typeface="+mn-lt"/>
+                <a:ea typeface="+mn-ea"/>
+                <a:cs typeface="+mn-cs"/>
+              </a:defRPr>
+            </a:lvl1pPr>
+            <a:lvl2pPr marL="457200" algn="l" defTabSz="914400" rtl="0" eaLnBrk="1" latinLnBrk="1" hangingPunct="1">
+              <a:defRPr sz="1800" kern="1200">
+                <a:solidFill>
+                  <a:schemeClr val="lt1"/>
+                </a:solidFill>
+                <a:latin typeface="+mn-lt"/>
+                <a:ea typeface="+mn-ea"/>
+                <a:cs typeface="+mn-cs"/>
+              </a:defRPr>
+            </a:lvl2pPr>
+            <a:lvl3pPr marL="914400" algn="l" defTabSz="914400" rtl="0" eaLnBrk="1" latinLnBrk="1" hangingPunct="1">
+              <a:defRPr sz="1800" kern="1200">
+                <a:solidFill>
+                  <a:schemeClr val="lt1"/>
+                </a:solidFill>
+                <a:latin typeface="+mn-lt"/>
+                <a:ea typeface="+mn-ea"/>
+                <a:cs typeface="+mn-cs"/>
+              </a:defRPr>
+            </a:lvl3pPr>
+            <a:lvl4pPr marL="1371600" algn="l" defTabSz="914400" rtl="0" eaLnBrk="1" latinLnBrk="1" hangingPunct="1">
+              <a:defRPr sz="1800" kern="1200">
+                <a:solidFill>
+                  <a:schemeClr val="lt1"/>
+                </a:solidFill>
+                <a:latin typeface="+mn-lt"/>
+                <a:ea typeface="+mn-ea"/>
+                <a:cs typeface="+mn-cs"/>
+              </a:defRPr>
+            </a:lvl4pPr>
+            <a:lvl5pPr marL="1828800" algn="l" defTabSz="914400" rtl="0" eaLnBrk="1" latinLnBrk="1" hangingPunct="1">
+              <a:defRPr sz="1800" kern="1200">
+                <a:solidFill>
+                  <a:schemeClr val="lt1"/>
+                </a:solidFill>
+                <a:latin typeface="+mn-lt"/>
+                <a:ea typeface="+mn-ea"/>
+                <a:cs typeface="+mn-cs"/>
+              </a:defRPr>
+            </a:lvl5pPr>
+            <a:lvl6pPr marL="2286000" algn="l" defTabSz="914400" rtl="0" eaLnBrk="1" latinLnBrk="1" hangingPunct="1">
+              <a:defRPr sz="1800" kern="1200">
+                <a:solidFill>
+                  <a:schemeClr val="lt1"/>
+                </a:solidFill>
+                <a:latin typeface="+mn-lt"/>
+                <a:ea typeface="+mn-ea"/>
+                <a:cs typeface="+mn-cs"/>
+              </a:defRPr>
+            </a:lvl6pPr>
+            <a:lvl7pPr marL="2743200" algn="l" defTabSz="914400" rtl="0" eaLnBrk="1" latinLnBrk="1" hangingPunct="1">
+              <a:defRPr sz="1800" kern="1200">
+                <a:solidFill>
+                  <a:schemeClr val="lt1"/>
+                </a:solidFill>
+                <a:latin typeface="+mn-lt"/>
+                <a:ea typeface="+mn-ea"/>
+                <a:cs typeface="+mn-cs"/>
+              </a:defRPr>
+            </a:lvl7pPr>
+            <a:lvl8pPr marL="3200400" algn="l" defTabSz="914400" rtl="0" eaLnBrk="1" latinLnBrk="1" hangingPunct="1">
+              <a:defRPr sz="1800" kern="1200">
+                <a:solidFill>
+                  <a:schemeClr val="lt1"/>
+                </a:solidFill>
+                <a:latin typeface="+mn-lt"/>
+                <a:ea typeface="+mn-ea"/>
+                <a:cs typeface="+mn-cs"/>
+              </a:defRPr>
+            </a:lvl8pPr>
+            <a:lvl9pPr marL="3657600" algn="l" defTabSz="914400" rtl="0" eaLnBrk="1" latinLnBrk="1" hangingPunct="1">
+              <a:defRPr sz="1800" kern="1200">
+                <a:solidFill>
+                  <a:schemeClr val="lt1"/>
+                </a:solidFill>
+                <a:latin typeface="+mn-lt"/>
+                <a:ea typeface="+mn-ea"/>
+                <a:cs typeface="+mn-cs"/>
+              </a:defRPr>
+            </a:lvl9pPr>
+          </a:lstStyle>
+          <a:p>
+            <a:pPr algn="ctr"/>
+            <a:r>
+              <a:rPr lang="en-US" altLang="ko-KR" dirty="0"/>
+              <a:t>R3</a:t>
+            </a:r>
+            <a:endParaRPr lang="ko-KR" altLang="en-US" dirty="0"/>
+          </a:p>
+        </p:txBody>
+      </p:sp>
+      <p:sp>
+        <p:nvSpPr>
+          <p:cNvPr id="17" name="직사각형 16">
+            <a:extLst>
+              <a:ext uri="{FF2B5EF4-FFF2-40B4-BE49-F238E27FC236}">
+                <a16:creationId xmlns:a16="http://schemas.microsoft.com/office/drawing/2014/main" id="{53B3EA56-0DA0-8FBB-11D1-41AC55896880}"/>
+              </a:ext>
+            </a:extLst>
+          </p:cNvPr>
+          <p:cNvSpPr/>
+          <p:nvPr/>
+        </p:nvSpPr>
+        <p:spPr>
+          <a:xfrm>
+            <a:off x="3218898" y="5025379"/>
+            <a:ext cx="982224" cy="740766"/>
+          </a:xfrm>
+          <a:prstGeom prst="rect">
+            <a:avLst/>
+          </a:prstGeom>
+        </p:spPr>
+        <p:style>
+          <a:lnRef idx="2">
+            <a:schemeClr val="accent1">
+              <a:shade val="50000"/>
+            </a:schemeClr>
+          </a:lnRef>
+          <a:fillRef idx="1">
+            <a:schemeClr val="accent1"/>
+          </a:fillRef>
+          <a:effectRef idx="0">
+            <a:schemeClr val="accent1"/>
+          </a:effectRef>
+          <a:fontRef idx="minor">
+            <a:schemeClr val="lt1"/>
+          </a:fontRef>
+        </p:style>
+        <p:txBody>
+          <a:bodyPr rtlCol="0" anchor="ctr"/>
+          <a:lstStyle>
+            <a:defPPr>
+              <a:defRPr lang="ko-KR"/>
+            </a:defPPr>
+            <a:lvl1pPr marL="0" algn="l" defTabSz="914400" rtl="0" eaLnBrk="1" latinLnBrk="1" hangingPunct="1">
+              <a:defRPr sz="1800" kern="1200">
+                <a:solidFill>
+                  <a:schemeClr val="lt1"/>
+                </a:solidFill>
+                <a:latin typeface="+mn-lt"/>
+                <a:ea typeface="+mn-ea"/>
+                <a:cs typeface="+mn-cs"/>
+              </a:defRPr>
+            </a:lvl1pPr>
+            <a:lvl2pPr marL="457200" algn="l" defTabSz="914400" rtl="0" eaLnBrk="1" latinLnBrk="1" hangingPunct="1">
+              <a:defRPr sz="1800" kern="1200">
+                <a:solidFill>
+                  <a:schemeClr val="lt1"/>
+                </a:solidFill>
+                <a:latin typeface="+mn-lt"/>
+                <a:ea typeface="+mn-ea"/>
+                <a:cs typeface="+mn-cs"/>
+              </a:defRPr>
+            </a:lvl2pPr>
+            <a:lvl3pPr marL="914400" algn="l" defTabSz="914400" rtl="0" eaLnBrk="1" latinLnBrk="1" hangingPunct="1">
+              <a:defRPr sz="1800" kern="1200">
+                <a:solidFill>
+                  <a:schemeClr val="lt1"/>
+                </a:solidFill>
+                <a:latin typeface="+mn-lt"/>
+                <a:ea typeface="+mn-ea"/>
+                <a:cs typeface="+mn-cs"/>
+              </a:defRPr>
+            </a:lvl3pPr>
+            <a:lvl4pPr marL="1371600" algn="l" defTabSz="914400" rtl="0" eaLnBrk="1" latinLnBrk="1" hangingPunct="1">
+              <a:defRPr sz="1800" kern="1200">
+                <a:solidFill>
+                  <a:schemeClr val="lt1"/>
+                </a:solidFill>
+                <a:latin typeface="+mn-lt"/>
+                <a:ea typeface="+mn-ea"/>
+                <a:cs typeface="+mn-cs"/>
+              </a:defRPr>
+            </a:lvl4pPr>
+            <a:lvl5pPr marL="1828800" algn="l" defTabSz="914400" rtl="0" eaLnBrk="1" latinLnBrk="1" hangingPunct="1">
+              <a:defRPr sz="1800" kern="1200">
+                <a:solidFill>
+                  <a:schemeClr val="lt1"/>
+                </a:solidFill>
+                <a:latin typeface="+mn-lt"/>
+                <a:ea typeface="+mn-ea"/>
+                <a:cs typeface="+mn-cs"/>
+              </a:defRPr>
+            </a:lvl5pPr>
+            <a:lvl6pPr marL="2286000" algn="l" defTabSz="914400" rtl="0" eaLnBrk="1" latinLnBrk="1" hangingPunct="1">
+              <a:defRPr sz="1800" kern="1200">
+                <a:solidFill>
+                  <a:schemeClr val="lt1"/>
+                </a:solidFill>
+                <a:latin typeface="+mn-lt"/>
+                <a:ea typeface="+mn-ea"/>
+                <a:cs typeface="+mn-cs"/>
+              </a:defRPr>
+            </a:lvl6pPr>
+            <a:lvl7pPr marL="2743200" algn="l" defTabSz="914400" rtl="0" eaLnBrk="1" latinLnBrk="1" hangingPunct="1">
+              <a:defRPr sz="1800" kern="1200">
+                <a:solidFill>
+                  <a:schemeClr val="lt1"/>
+                </a:solidFill>
+                <a:latin typeface="+mn-lt"/>
+                <a:ea typeface="+mn-ea"/>
+                <a:cs typeface="+mn-cs"/>
+              </a:defRPr>
+            </a:lvl7pPr>
+            <a:lvl8pPr marL="3200400" algn="l" defTabSz="914400" rtl="0" eaLnBrk="1" latinLnBrk="1" hangingPunct="1">
+              <a:defRPr sz="1800" kern="1200">
+                <a:solidFill>
+                  <a:schemeClr val="lt1"/>
+                </a:solidFill>
+                <a:latin typeface="+mn-lt"/>
+                <a:ea typeface="+mn-ea"/>
+                <a:cs typeface="+mn-cs"/>
+              </a:defRPr>
+            </a:lvl8pPr>
+            <a:lvl9pPr marL="3657600" algn="l" defTabSz="914400" rtl="0" eaLnBrk="1" latinLnBrk="1" hangingPunct="1">
+              <a:defRPr sz="1800" kern="1200">
+                <a:solidFill>
+                  <a:schemeClr val="lt1"/>
+                </a:solidFill>
+                <a:latin typeface="+mn-lt"/>
+                <a:ea typeface="+mn-ea"/>
+                <a:cs typeface="+mn-cs"/>
+              </a:defRPr>
+            </a:lvl9pPr>
+          </a:lstStyle>
+          <a:p>
+            <a:pPr algn="ctr"/>
+            <a:r>
+              <a:rPr lang="en-US" altLang="ko-KR" u="sng" dirty="0"/>
+              <a:t>R1</a:t>
+            </a:r>
+            <a:endParaRPr lang="ko-KR" altLang="en-US" u="sng" dirty="0"/>
+          </a:p>
+        </p:txBody>
+      </p:sp>
       <p:cxnSp>
         <p:nvCxnSpPr>
-          <p:cNvPr id="19" name="연결선: 꺾임 18">
+          <p:cNvPr id="18" name="직선 화살표 연결선 17">
             <a:extLst>
               <a:ext uri="{FF2B5EF4-FFF2-40B4-BE49-F238E27FC236}">
-                <a16:creationId xmlns:a16="http://schemas.microsoft.com/office/drawing/2014/main" id="{A246ED4B-D569-904B-AD00-5096CB2EE588}"/>
+                <a16:creationId xmlns:a16="http://schemas.microsoft.com/office/drawing/2014/main" id="{2A08F84F-E9B7-A696-30B3-79458D11C6A5}"/>
               </a:ext>
             </a:extLst>
           </p:cNvPr>
           <p:cNvCxnSpPr>
             <a:cxnSpLocks/>
-            <a:stCxn id="12" idx="3"/>
-            <a:endCxn id="14" idx="1"/>
+            <a:stCxn id="16" idx="3"/>
+            <a:endCxn id="17" idx="1"/>
           </p:cNvCxnSpPr>
           <p:nvPr/>
         </p:nvCxnSpPr>
         <p:spPr>
           <a:xfrm>
-            <a:off x="5322500" y="4473011"/>
-            <a:ext cx="970719" cy="1154908"/>
+            <a:off x="2187189" y="5395762"/>
+            <a:ext cx="1031709" cy="0"/>
           </a:xfrm>
-          <a:prstGeom prst="bentConnector3">
-            <a:avLst>
-              <a:gd name="adj1" fmla="val 50000"/>
-            </a:avLst>
+          <a:prstGeom prst="straightConnector1">
+            <a:avLst/>
+          </a:prstGeom>
+          <a:ln w="25400">
+            <a:prstDash val="dash"/>
+            <a:headEnd type="triangle" w="lg" len="lg"/>
+            <a:tailEnd type="triangle" w="lg" len="lg"/>
+          </a:ln>
+        </p:spPr>
+        <p:style>
+          <a:lnRef idx="1">
+            <a:schemeClr val="accent1"/>
+          </a:lnRef>
+          <a:fillRef idx="0">
+            <a:schemeClr val="accent1"/>
+          </a:fillRef>
+          <a:effectRef idx="0">
+            <a:schemeClr val="accent1"/>
+          </a:effectRef>
+          <a:fontRef idx="minor">
+            <a:schemeClr val="tx1"/>
+          </a:fontRef>
+        </p:style>
+      </p:cxnSp>
+      <p:sp>
+        <p:nvSpPr>
+          <p:cNvPr id="19" name="직사각형 18">
+            <a:extLst>
+              <a:ext uri="{FF2B5EF4-FFF2-40B4-BE49-F238E27FC236}">
+                <a16:creationId xmlns:a16="http://schemas.microsoft.com/office/drawing/2014/main" id="{45B84DA3-60AC-EFB6-FC02-AA9EFF4C001B}"/>
+              </a:ext>
+            </a:extLst>
+          </p:cNvPr>
+          <p:cNvSpPr/>
+          <p:nvPr/>
+        </p:nvSpPr>
+        <p:spPr>
+          <a:xfrm>
+            <a:off x="1204965" y="2660029"/>
+            <a:ext cx="982224" cy="740766"/>
+          </a:xfrm>
+          <a:prstGeom prst="rect">
+            <a:avLst/>
+          </a:prstGeom>
+        </p:spPr>
+        <p:style>
+          <a:lnRef idx="2">
+            <a:schemeClr val="accent1">
+              <a:shade val="50000"/>
+            </a:schemeClr>
+          </a:lnRef>
+          <a:fillRef idx="1">
+            <a:schemeClr val="accent1"/>
+          </a:fillRef>
+          <a:effectRef idx="0">
+            <a:schemeClr val="accent1"/>
+          </a:effectRef>
+          <a:fontRef idx="minor">
+            <a:schemeClr val="lt1"/>
+          </a:fontRef>
+        </p:style>
+        <p:txBody>
+          <a:bodyPr rtlCol="0" anchor="ctr"/>
+          <a:lstStyle>
+            <a:defPPr>
+              <a:defRPr lang="ko-KR"/>
+            </a:defPPr>
+            <a:lvl1pPr marL="0" algn="l" defTabSz="914400" rtl="0" eaLnBrk="1" latinLnBrk="1" hangingPunct="1">
+              <a:defRPr sz="1800" kern="1200">
+                <a:solidFill>
+                  <a:schemeClr val="lt1"/>
+                </a:solidFill>
+                <a:latin typeface="+mn-lt"/>
+                <a:ea typeface="+mn-ea"/>
+                <a:cs typeface="+mn-cs"/>
+              </a:defRPr>
+            </a:lvl1pPr>
+            <a:lvl2pPr marL="457200" algn="l" defTabSz="914400" rtl="0" eaLnBrk="1" latinLnBrk="1" hangingPunct="1">
+              <a:defRPr sz="1800" kern="1200">
+                <a:solidFill>
+                  <a:schemeClr val="lt1"/>
+                </a:solidFill>
+                <a:latin typeface="+mn-lt"/>
+                <a:ea typeface="+mn-ea"/>
+                <a:cs typeface="+mn-cs"/>
+              </a:defRPr>
+            </a:lvl2pPr>
+            <a:lvl3pPr marL="914400" algn="l" defTabSz="914400" rtl="0" eaLnBrk="1" latinLnBrk="1" hangingPunct="1">
+              <a:defRPr sz="1800" kern="1200">
+                <a:solidFill>
+                  <a:schemeClr val="lt1"/>
+                </a:solidFill>
+                <a:latin typeface="+mn-lt"/>
+                <a:ea typeface="+mn-ea"/>
+                <a:cs typeface="+mn-cs"/>
+              </a:defRPr>
+            </a:lvl3pPr>
+            <a:lvl4pPr marL="1371600" algn="l" defTabSz="914400" rtl="0" eaLnBrk="1" latinLnBrk="1" hangingPunct="1">
+              <a:defRPr sz="1800" kern="1200">
+                <a:solidFill>
+                  <a:schemeClr val="lt1"/>
+                </a:solidFill>
+                <a:latin typeface="+mn-lt"/>
+                <a:ea typeface="+mn-ea"/>
+                <a:cs typeface="+mn-cs"/>
+              </a:defRPr>
+            </a:lvl4pPr>
+            <a:lvl5pPr marL="1828800" algn="l" defTabSz="914400" rtl="0" eaLnBrk="1" latinLnBrk="1" hangingPunct="1">
+              <a:defRPr sz="1800" kern="1200">
+                <a:solidFill>
+                  <a:schemeClr val="lt1"/>
+                </a:solidFill>
+                <a:latin typeface="+mn-lt"/>
+                <a:ea typeface="+mn-ea"/>
+                <a:cs typeface="+mn-cs"/>
+              </a:defRPr>
+            </a:lvl5pPr>
+            <a:lvl6pPr marL="2286000" algn="l" defTabSz="914400" rtl="0" eaLnBrk="1" latinLnBrk="1" hangingPunct="1">
+              <a:defRPr sz="1800" kern="1200">
+                <a:solidFill>
+                  <a:schemeClr val="lt1"/>
+                </a:solidFill>
+                <a:latin typeface="+mn-lt"/>
+                <a:ea typeface="+mn-ea"/>
+                <a:cs typeface="+mn-cs"/>
+              </a:defRPr>
+            </a:lvl6pPr>
+            <a:lvl7pPr marL="2743200" algn="l" defTabSz="914400" rtl="0" eaLnBrk="1" latinLnBrk="1" hangingPunct="1">
+              <a:defRPr sz="1800" kern="1200">
+                <a:solidFill>
+                  <a:schemeClr val="lt1"/>
+                </a:solidFill>
+                <a:latin typeface="+mn-lt"/>
+                <a:ea typeface="+mn-ea"/>
+                <a:cs typeface="+mn-cs"/>
+              </a:defRPr>
+            </a:lvl7pPr>
+            <a:lvl8pPr marL="3200400" algn="l" defTabSz="914400" rtl="0" eaLnBrk="1" latinLnBrk="1" hangingPunct="1">
+              <a:defRPr sz="1800" kern="1200">
+                <a:solidFill>
+                  <a:schemeClr val="lt1"/>
+                </a:solidFill>
+                <a:latin typeface="+mn-lt"/>
+                <a:ea typeface="+mn-ea"/>
+                <a:cs typeface="+mn-cs"/>
+              </a:defRPr>
+            </a:lvl8pPr>
+            <a:lvl9pPr marL="3657600" algn="l" defTabSz="914400" rtl="0" eaLnBrk="1" latinLnBrk="1" hangingPunct="1">
+              <a:defRPr sz="1800" kern="1200">
+                <a:solidFill>
+                  <a:schemeClr val="lt1"/>
+                </a:solidFill>
+                <a:latin typeface="+mn-lt"/>
+                <a:ea typeface="+mn-ea"/>
+                <a:cs typeface="+mn-cs"/>
+              </a:defRPr>
+            </a:lvl9pPr>
+          </a:lstStyle>
+          <a:p>
+            <a:pPr algn="ctr"/>
+            <a:r>
+              <a:rPr lang="en-US" altLang="ko-KR" u="sng" dirty="0"/>
+              <a:t>R1</a:t>
+            </a:r>
+            <a:endParaRPr lang="ko-KR" altLang="en-US" u="sng" dirty="0"/>
+          </a:p>
+        </p:txBody>
+      </p:sp>
+      <p:sp>
+        <p:nvSpPr>
+          <p:cNvPr id="20" name="직사각형 19">
+            <a:extLst>
+              <a:ext uri="{FF2B5EF4-FFF2-40B4-BE49-F238E27FC236}">
+                <a16:creationId xmlns:a16="http://schemas.microsoft.com/office/drawing/2014/main" id="{E2B6F859-4A29-6BE3-8E1D-30B790DD6414}"/>
+              </a:ext>
+            </a:extLst>
+          </p:cNvPr>
+          <p:cNvSpPr/>
+          <p:nvPr/>
+        </p:nvSpPr>
+        <p:spPr>
+          <a:xfrm>
+            <a:off x="3218898" y="2660029"/>
+            <a:ext cx="982224" cy="740766"/>
+          </a:xfrm>
+          <a:prstGeom prst="rect">
+            <a:avLst/>
+          </a:prstGeom>
+        </p:spPr>
+        <p:style>
+          <a:lnRef idx="2">
+            <a:schemeClr val="accent1">
+              <a:shade val="50000"/>
+            </a:schemeClr>
+          </a:lnRef>
+          <a:fillRef idx="1">
+            <a:schemeClr val="accent1"/>
+          </a:fillRef>
+          <a:effectRef idx="0">
+            <a:schemeClr val="accent1"/>
+          </a:effectRef>
+          <a:fontRef idx="minor">
+            <a:schemeClr val="lt1"/>
+          </a:fontRef>
+        </p:style>
+        <p:txBody>
+          <a:bodyPr rtlCol="0" anchor="ctr"/>
+          <a:lstStyle>
+            <a:defPPr>
+              <a:defRPr lang="ko-KR"/>
+            </a:defPPr>
+            <a:lvl1pPr marL="0" algn="l" defTabSz="914400" rtl="0" eaLnBrk="1" latinLnBrk="1" hangingPunct="1">
+              <a:defRPr sz="1800" kern="1200">
+                <a:solidFill>
+                  <a:schemeClr val="lt1"/>
+                </a:solidFill>
+                <a:latin typeface="+mn-lt"/>
+                <a:ea typeface="+mn-ea"/>
+                <a:cs typeface="+mn-cs"/>
+              </a:defRPr>
+            </a:lvl1pPr>
+            <a:lvl2pPr marL="457200" algn="l" defTabSz="914400" rtl="0" eaLnBrk="1" latinLnBrk="1" hangingPunct="1">
+              <a:defRPr sz="1800" kern="1200">
+                <a:solidFill>
+                  <a:schemeClr val="lt1"/>
+                </a:solidFill>
+                <a:latin typeface="+mn-lt"/>
+                <a:ea typeface="+mn-ea"/>
+                <a:cs typeface="+mn-cs"/>
+              </a:defRPr>
+            </a:lvl2pPr>
+            <a:lvl3pPr marL="914400" algn="l" defTabSz="914400" rtl="0" eaLnBrk="1" latinLnBrk="1" hangingPunct="1">
+              <a:defRPr sz="1800" kern="1200">
+                <a:solidFill>
+                  <a:schemeClr val="lt1"/>
+                </a:solidFill>
+                <a:latin typeface="+mn-lt"/>
+                <a:ea typeface="+mn-ea"/>
+                <a:cs typeface="+mn-cs"/>
+              </a:defRPr>
+            </a:lvl3pPr>
+            <a:lvl4pPr marL="1371600" algn="l" defTabSz="914400" rtl="0" eaLnBrk="1" latinLnBrk="1" hangingPunct="1">
+              <a:defRPr sz="1800" kern="1200">
+                <a:solidFill>
+                  <a:schemeClr val="lt1"/>
+                </a:solidFill>
+                <a:latin typeface="+mn-lt"/>
+                <a:ea typeface="+mn-ea"/>
+                <a:cs typeface="+mn-cs"/>
+              </a:defRPr>
+            </a:lvl4pPr>
+            <a:lvl5pPr marL="1828800" algn="l" defTabSz="914400" rtl="0" eaLnBrk="1" latinLnBrk="1" hangingPunct="1">
+              <a:defRPr sz="1800" kern="1200">
+                <a:solidFill>
+                  <a:schemeClr val="lt1"/>
+                </a:solidFill>
+                <a:latin typeface="+mn-lt"/>
+                <a:ea typeface="+mn-ea"/>
+                <a:cs typeface="+mn-cs"/>
+              </a:defRPr>
+            </a:lvl5pPr>
+            <a:lvl6pPr marL="2286000" algn="l" defTabSz="914400" rtl="0" eaLnBrk="1" latinLnBrk="1" hangingPunct="1">
+              <a:defRPr sz="1800" kern="1200">
+                <a:solidFill>
+                  <a:schemeClr val="lt1"/>
+                </a:solidFill>
+                <a:latin typeface="+mn-lt"/>
+                <a:ea typeface="+mn-ea"/>
+                <a:cs typeface="+mn-cs"/>
+              </a:defRPr>
+            </a:lvl6pPr>
+            <a:lvl7pPr marL="2743200" algn="l" defTabSz="914400" rtl="0" eaLnBrk="1" latinLnBrk="1" hangingPunct="1">
+              <a:defRPr sz="1800" kern="1200">
+                <a:solidFill>
+                  <a:schemeClr val="lt1"/>
+                </a:solidFill>
+                <a:latin typeface="+mn-lt"/>
+                <a:ea typeface="+mn-ea"/>
+                <a:cs typeface="+mn-cs"/>
+              </a:defRPr>
+            </a:lvl7pPr>
+            <a:lvl8pPr marL="3200400" algn="l" defTabSz="914400" rtl="0" eaLnBrk="1" latinLnBrk="1" hangingPunct="1">
+              <a:defRPr sz="1800" kern="1200">
+                <a:solidFill>
+                  <a:schemeClr val="lt1"/>
+                </a:solidFill>
+                <a:latin typeface="+mn-lt"/>
+                <a:ea typeface="+mn-ea"/>
+                <a:cs typeface="+mn-cs"/>
+              </a:defRPr>
+            </a:lvl8pPr>
+            <a:lvl9pPr marL="3657600" algn="l" defTabSz="914400" rtl="0" eaLnBrk="1" latinLnBrk="1" hangingPunct="1">
+              <a:defRPr sz="1800" kern="1200">
+                <a:solidFill>
+                  <a:schemeClr val="lt1"/>
+                </a:solidFill>
+                <a:latin typeface="+mn-lt"/>
+                <a:ea typeface="+mn-ea"/>
+                <a:cs typeface="+mn-cs"/>
+              </a:defRPr>
+            </a:lvl9pPr>
+          </a:lstStyle>
+          <a:p>
+            <a:pPr algn="ctr"/>
+            <a:r>
+              <a:rPr lang="en-US" altLang="ko-KR" dirty="0"/>
+              <a:t>R2</a:t>
+            </a:r>
+            <a:endParaRPr lang="ko-KR" altLang="en-US" dirty="0"/>
+          </a:p>
+        </p:txBody>
+      </p:sp>
+      <p:cxnSp>
+        <p:nvCxnSpPr>
+          <p:cNvPr id="21" name="직선 화살표 연결선 20">
+            <a:extLst>
+              <a:ext uri="{FF2B5EF4-FFF2-40B4-BE49-F238E27FC236}">
+                <a16:creationId xmlns:a16="http://schemas.microsoft.com/office/drawing/2014/main" id="{275BFE08-55EE-245F-30CB-3333EDCAB02C}"/>
+              </a:ext>
+            </a:extLst>
+          </p:cNvPr>
+          <p:cNvCxnSpPr>
+            <a:cxnSpLocks/>
+            <a:stCxn id="19" idx="3"/>
+            <a:endCxn id="20" idx="1"/>
+          </p:cNvCxnSpPr>
+          <p:nvPr/>
+        </p:nvCxnSpPr>
+        <p:spPr>
+          <a:xfrm>
+            <a:off x="2187189" y="3030412"/>
+            <a:ext cx="1031709" cy="0"/>
+          </a:xfrm>
+          <a:prstGeom prst="straightConnector1">
+            <a:avLst/>
           </a:prstGeom>
           <a:ln w="25400">
             <a:prstDash val="dash"/>
